--- a/Deploying Blazor WebAssembly to GitHub Pages.pptx
+++ b/Deploying Blazor WebAssembly to GitHub Pages.pptx
@@ -123,6 +123,11 @@
       </a:defRPr>
     </a:lvl9pPr>
   </p:defaultTextStyle>
+  <p:extLst>
+    <p:ext uri="{EFAFB233-063F-42B5-8137-9DF3F51BA10A}">
+      <p15:sldGuideLst xmlns:p15="http://schemas.microsoft.com/office/powerpoint/2012/main"/>
+    </p:ext>
+  </p:extLst>
 </p:presentation>
 </file>
 
@@ -175,7 +180,7 @@
             </a:lvl1pPr>
           </a:lstStyle>
           <a:p>
-            <a:endParaRPr lang="en-US"/>
+            <a:endParaRPr lang="en-US" dirty="0"/>
           </a:p>
         </p:txBody>
       </p:sp>
@@ -208,9 +213,9 @@
           <a:p>
             <a:fld id="{7A66462D-8375-476B-A997-11C764AA740F}" type="datetimeFigureOut">
               <a:rPr lang="en-US" smtClean="0"/>
-              <a:t>12/14/2020</a:t>
+              <a:t>12/15/2020</a:t>
             </a:fld>
-            <a:endParaRPr lang="en-US"/>
+            <a:endParaRPr lang="en-US" dirty="0"/>
           </a:p>
         </p:txBody>
       </p:sp>
@@ -243,7 +248,7 @@
           <a:bodyPr vert="horz" lIns="91440" tIns="45720" rIns="91440" bIns="45720" rtlCol="0" anchor="ctr"/>
           <a:lstStyle/>
           <a:p>
-            <a:endParaRPr lang="en-US"/>
+            <a:endParaRPr lang="en-US" dirty="0"/>
           </a:p>
         </p:txBody>
       </p:sp>
@@ -333,7 +338,7 @@
             </a:lvl1pPr>
           </a:lstStyle>
           <a:p>
-            <a:endParaRPr lang="en-US"/>
+            <a:endParaRPr lang="en-US" dirty="0"/>
           </a:p>
         </p:txBody>
       </p:sp>
@@ -368,7 +373,7 @@
               <a:rPr lang="en-US" smtClean="0"/>
               <a:t>‹#›</a:t>
             </a:fld>
-            <a:endParaRPr lang="en-US"/>
+            <a:endParaRPr lang="en-US" dirty="0"/>
           </a:p>
         </p:txBody>
       </p:sp>
@@ -519,131 +524,7 @@
           <a:bodyPr/>
           <a:lstStyle/>
           <a:p>
-            <a:r>
-              <a:rPr lang="en-US" dirty="0" err="1"/>
-              <a:t>mkdir</a:t>
-            </a:r>
-            <a:r>
-              <a:rPr lang="en-US" dirty="0"/>
-              <a:t> </a:t>
-            </a:r>
-            <a:r>
-              <a:rPr lang="en-US" dirty="0" err="1"/>
-              <a:t>GitHubPagesDemo</a:t>
-            </a:r>
             <a:endParaRPr lang="en-US" dirty="0"/>
-          </a:p>
-          <a:p>
-            <a:r>
-              <a:rPr lang="en-US" dirty="0"/>
-              <a:t>cd </a:t>
-            </a:r>
-            <a:r>
-              <a:rPr lang="en-US" dirty="0" err="1"/>
-              <a:t>GitHubPagesDemo</a:t>
-            </a:r>
-            <a:endParaRPr lang="en-US" dirty="0"/>
-          </a:p>
-          <a:p>
-            <a:r>
-              <a:rPr lang="en-US" dirty="0"/>
-              <a:t>code .</a:t>
-            </a:r>
-          </a:p>
-          <a:p>
-            <a:r>
-              <a:rPr lang="en-US" dirty="0"/>
-              <a:t>git </a:t>
-            </a:r>
-            <a:r>
-              <a:rPr lang="en-US" dirty="0" err="1"/>
-              <a:t>init</a:t>
-            </a:r>
-            <a:endParaRPr lang="en-US" dirty="0"/>
-          </a:p>
-          <a:p>
-            <a:r>
-              <a:rPr lang="en-US" dirty="0"/>
-              <a:t>git status</a:t>
-            </a:r>
-          </a:p>
-          <a:p>
-            <a:r>
-              <a:rPr lang="en-US" dirty="0"/>
-              <a:t>git add --all</a:t>
-            </a:r>
-          </a:p>
-          <a:p>
-            <a:r>
-              <a:rPr lang="en-US" dirty="0"/>
-              <a:t>git commit -m "Initial Commit"</a:t>
-            </a:r>
-          </a:p>
-          <a:p>
-            <a:endParaRPr lang="en-US" dirty="0"/>
-          </a:p>
-          <a:p>
-            <a:r>
-              <a:rPr lang="en-US" dirty="0"/>
-              <a:t>git remote add origin https://github.com/Swimburger/GitHubPagesDemo.git</a:t>
-            </a:r>
-          </a:p>
-          <a:p>
-            <a:r>
-              <a:rPr lang="en-US" dirty="0"/>
-              <a:t>git branch -M main</a:t>
-            </a:r>
-          </a:p>
-          <a:p>
-            <a:r>
-              <a:rPr lang="en-US" dirty="0"/>
-              <a:t>git push -u origin main</a:t>
-            </a:r>
-          </a:p>
-          <a:p>
-            <a:endParaRPr lang="en-US" dirty="0"/>
-          </a:p>
-          <a:p>
-            <a:r>
-              <a:rPr lang="en-US" dirty="0"/>
-              <a:t>git branch </a:t>
-            </a:r>
-            <a:r>
-              <a:rPr lang="en-US" dirty="0" err="1"/>
-              <a:t>gh</a:t>
-            </a:r>
-            <a:r>
-              <a:rPr lang="en-US" dirty="0"/>
-              <a:t>-pages</a:t>
-            </a:r>
-          </a:p>
-          <a:p>
-            <a:r>
-              <a:rPr lang="en-US" dirty="0"/>
-              <a:t>git checkout </a:t>
-            </a:r>
-            <a:r>
-              <a:rPr lang="en-US" dirty="0" err="1"/>
-              <a:t>gh</a:t>
-            </a:r>
-            <a:r>
-              <a:rPr lang="en-US" dirty="0"/>
-              <a:t>-pages</a:t>
-            </a:r>
-          </a:p>
-          <a:p>
-            <a:r>
-              <a:rPr lang="en-US" dirty="0"/>
-              <a:t>git push --set-upstream origin </a:t>
-            </a:r>
-            <a:r>
-              <a:rPr lang="en-US" dirty="0" err="1"/>
-              <a:t>gh</a:t>
-            </a:r>
-            <a:r>
-              <a:rPr lang="en-US" dirty="0"/>
-              <a:t>-pages</a:t>
-            </a:r>
           </a:p>
         </p:txBody>
       </p:sp>
@@ -664,16 +545,16 @@
           <a:p>
             <a:fld id="{F4E074B5-100B-4F5F-8E29-6F6591A1F1DB}" type="slidenum">
               <a:rPr lang="en-US" smtClean="0"/>
-              <a:t>7</a:t>
+              <a:t>5</a:t>
             </a:fld>
-            <a:endParaRPr lang="en-US"/>
+            <a:endParaRPr lang="en-US" dirty="0"/>
           </a:p>
         </p:txBody>
       </p:sp>
     </p:spTree>
     <p:extLst>
       <p:ext uri="{BB962C8B-B14F-4D97-AF65-F5344CB8AC3E}">
-        <p14:creationId xmlns:p14="http://schemas.microsoft.com/office/powerpoint/2010/main" val="2347918809"/>
+        <p14:creationId xmlns:p14="http://schemas.microsoft.com/office/powerpoint/2010/main" val="3338951008"/>
       </p:ext>
     </p:extLst>
   </p:cSld>
@@ -729,159 +610,86 @@
           <a:p>
             <a:r>
               <a:rPr lang="en-US" dirty="0"/>
-              <a:t>git checkout main</a:t>
-            </a:r>
-          </a:p>
-          <a:p>
-            <a:r>
-              <a:rPr lang="en-US" dirty="0"/>
-              <a:t>dotnet new </a:t>
-            </a:r>
-            <a:r>
-              <a:rPr lang="en-US" dirty="0" err="1"/>
-              <a:t>blazorwasm</a:t>
-            </a:r>
+              <a:t>mkdir GitHubPagesDemo</a:t>
+            </a:r>
+          </a:p>
+          <a:p>
+            <a:r>
+              <a:rPr lang="en-US" dirty="0"/>
+              <a:t>cd GitHubPagesDemo</a:t>
+            </a:r>
+          </a:p>
+          <a:p>
+            <a:r>
+              <a:rPr lang="en-US" dirty="0"/>
+              <a:t>code .</a:t>
+            </a:r>
+          </a:p>
+          <a:p>
+            <a:r>
+              <a:rPr lang="en-US" dirty="0"/>
+              <a:t>git init</a:t>
+            </a:r>
+          </a:p>
+          <a:p>
+            <a:r>
+              <a:rPr lang="en-US" dirty="0"/>
+              <a:t>git status</a:t>
+            </a:r>
+          </a:p>
+          <a:p>
+            <a:r>
+              <a:rPr lang="en-US" dirty="0"/>
+              <a:t>git add --all</a:t>
+            </a:r>
+          </a:p>
+          <a:p>
+            <a:r>
+              <a:rPr lang="en-US" dirty="0"/>
+              <a:t>git commit -m "Initial Commit"</a:t>
+            </a:r>
+          </a:p>
+          <a:p>
             <a:endParaRPr lang="en-US" dirty="0"/>
           </a:p>
           <a:p>
             <a:r>
               <a:rPr lang="en-US" dirty="0"/>
-              <a:t>dotnet new </a:t>
-            </a:r>
-            <a:r>
-              <a:rPr lang="en-US" dirty="0" err="1"/>
-              <a:t>gitignore</a:t>
-            </a:r>
+              <a:t>git remote add origin https://github.com/Swimburger/GitHubPagesDemo.git</a:t>
+            </a:r>
+          </a:p>
+          <a:p>
+            <a:r>
+              <a:rPr lang="en-US" dirty="0"/>
+              <a:t>git branch -M main</a:t>
+            </a:r>
+          </a:p>
+          <a:p>
+            <a:r>
+              <a:rPr lang="en-US" dirty="0"/>
+              <a:t>git push -u origin main</a:t>
+            </a:r>
+          </a:p>
+          <a:p>
             <a:endParaRPr lang="en-US" dirty="0"/>
           </a:p>
           <a:p>
             <a:r>
               <a:rPr lang="en-US" dirty="0"/>
-              <a:t>git add --all</a:t>
-            </a:r>
-          </a:p>
-          <a:p>
-            <a:r>
-              <a:rPr lang="en-US" dirty="0"/>
-              <a:t>git status</a:t>
-            </a:r>
-          </a:p>
-          <a:p>
-            <a:r>
-              <a:rPr lang="en-US" dirty="0"/>
-              <a:t>git commit -m "Add Blazor WASM“</a:t>
-            </a:r>
-          </a:p>
-          <a:p>
-            <a:r>
-              <a:rPr lang="en-US" dirty="0"/>
-              <a:t>git push</a:t>
-            </a:r>
-          </a:p>
-          <a:p>
-            <a:endParaRPr lang="en-US" dirty="0"/>
-          </a:p>
-          <a:p>
-            <a:r>
-              <a:rPr lang="en-US" dirty="0"/>
-              <a:t>dotnet publish -c Release -o release</a:t>
-            </a:r>
-          </a:p>
-          <a:p>
-            <a:r>
-              <a:rPr lang="en-US" dirty="0"/>
-              <a:t>mv release/* ../temp-release</a:t>
-            </a:r>
-          </a:p>
-          <a:p>
-            <a:r>
-              <a:rPr lang="en-US" dirty="0"/>
-              <a:t>git checkout </a:t>
-            </a:r>
-            <a:r>
-              <a:rPr lang="en-US" dirty="0" err="1"/>
-              <a:t>gh</a:t>
-            </a:r>
-            <a:r>
-              <a:rPr lang="en-US" dirty="0"/>
-              <a:t>-pages</a:t>
-            </a:r>
-          </a:p>
-          <a:p>
-            <a:r>
-              <a:rPr lang="pt-BR" dirty="0"/>
-              <a:t>rm -r bin</a:t>
-            </a:r>
-          </a:p>
-          <a:p>
-            <a:r>
-              <a:rPr lang="pt-BR" dirty="0"/>
-              <a:t>rm -r obj</a:t>
-            </a:r>
-            <a:endParaRPr lang="en-US" dirty="0"/>
-          </a:p>
-          <a:p>
-            <a:r>
-              <a:rPr lang="en-US" dirty="0"/>
-              <a:t>tree ../temp-release</a:t>
-            </a:r>
-          </a:p>
-          <a:p>
-            <a:endParaRPr lang="en-US" dirty="0"/>
-          </a:p>
-          <a:p>
-            <a:r>
-              <a:rPr lang="en-US" dirty="0"/>
-              <a:t>mv ../temp-release/</a:t>
-            </a:r>
-            <a:r>
-              <a:rPr lang="en-US" dirty="0" err="1"/>
-              <a:t>wwwroot</a:t>
-            </a:r>
-            <a:r>
-              <a:rPr lang="en-US" dirty="0"/>
-              <a:t>/* . –Force</a:t>
-            </a:r>
-          </a:p>
-          <a:p>
-            <a:r>
-              <a:rPr lang="en-US" b="1" dirty="0"/>
-              <a:t>"* binary" &gt;&gt; .</a:t>
-            </a:r>
-            <a:r>
-              <a:rPr lang="en-US" b="1" dirty="0" err="1"/>
-              <a:t>gitattributes</a:t>
-            </a:r>
-            <a:endParaRPr lang="en-US" b="1" dirty="0"/>
-          </a:p>
-          <a:p>
-            <a:r>
-              <a:rPr lang="en-US" dirty="0"/>
-              <a:t>git add --all</a:t>
-            </a:r>
-          </a:p>
-          <a:p>
-            <a:r>
-              <a:rPr lang="en-US" dirty="0"/>
-              <a:t>git commit -m "Add publish </a:t>
-            </a:r>
-            <a:r>
-              <a:rPr lang="en-US" dirty="0" err="1"/>
-              <a:t>blazor</a:t>
-            </a:r>
-            <a:r>
-              <a:rPr lang="en-US" dirty="0"/>
-              <a:t> WASM“</a:t>
-            </a:r>
-          </a:p>
-          <a:p>
-            <a:r>
-              <a:rPr lang="en-US" dirty="0"/>
-              <a:t>git push</a:t>
-            </a:r>
-          </a:p>
-          <a:p>
-            <a:endParaRPr lang="en-US" dirty="0"/>
+              <a:t>git branch gh-pages</a:t>
+            </a:r>
+          </a:p>
+          <a:p>
+            <a:r>
+              <a:rPr lang="en-US" dirty="0"/>
+              <a:t>git checkout gh-pages</a:t>
+            </a:r>
+          </a:p>
+          <a:p>
+            <a:r>
+              <a:rPr lang="en-US" dirty="0"/>
+              <a:t>git push --set-upstream origin gh-pages</a:t>
+            </a:r>
           </a:p>
         </p:txBody>
       </p:sp>
@@ -902,16 +710,16 @@
           <a:p>
             <a:fld id="{F4E074B5-100B-4F5F-8E29-6F6591A1F1DB}" type="slidenum">
               <a:rPr lang="en-US" smtClean="0"/>
-              <a:t>9</a:t>
+              <a:t>7</a:t>
             </a:fld>
-            <a:endParaRPr lang="en-US"/>
+            <a:endParaRPr lang="en-US" dirty="0"/>
           </a:p>
         </p:txBody>
       </p:sp>
     </p:spTree>
     <p:extLst>
       <p:ext uri="{BB962C8B-B14F-4D97-AF65-F5344CB8AC3E}">
-        <p14:creationId xmlns:p14="http://schemas.microsoft.com/office/powerpoint/2010/main" val="2443052072"/>
+        <p14:creationId xmlns:p14="http://schemas.microsoft.com/office/powerpoint/2010/main" val="2347918809"/>
       </p:ext>
     </p:extLst>
   </p:cSld>
@@ -965,144 +773,22 @@
           <a:bodyPr/>
           <a:lstStyle/>
           <a:p>
-            <a:pPr marL="0" marR="0" lvl="0" indent="0" algn="l" defTabSz="914400" rtl="0" eaLnBrk="1" fontAlgn="auto" latinLnBrk="0" hangingPunct="1">
-              <a:lnSpc>
-                <a:spcPct val="100000"/>
-              </a:lnSpc>
-              <a:spcBef>
-                <a:spcPts val="0"/>
-              </a:spcBef>
-              <a:spcAft>
-                <a:spcPts val="0"/>
-              </a:spcAft>
-              <a:buClrTx/>
-              <a:buSzTx/>
-              <a:buFontTx/>
-              <a:buNone/>
-              <a:tabLst/>
-              <a:defRPr/>
-            </a:pPr>
-            <a:r>
-              <a:rPr lang="en-US" dirty="0"/>
-              <a:t>Update </a:t>
-            </a:r>
-            <a:r>
-              <a:rPr lang="en-US" b="0" dirty="0">
-                <a:solidFill>
-                  <a:srgbClr val="D4D4D4"/>
-                </a:solidFill>
-                <a:effectLst/>
-                <a:latin typeface="Consolas" panose="020B0609020204030204" pitchFamily="49" charset="0"/>
-              </a:rPr>
-              <a:t>    </a:t>
-            </a:r>
-            <a:r>
-              <a:rPr lang="en-US" b="0" dirty="0">
-                <a:solidFill>
-                  <a:srgbClr val="808080"/>
-                </a:solidFill>
-                <a:effectLst/>
-                <a:latin typeface="Consolas" panose="020B0609020204030204" pitchFamily="49" charset="0"/>
-              </a:rPr>
-              <a:t>&lt;</a:t>
-            </a:r>
-            <a:r>
-              <a:rPr lang="en-US" b="0" dirty="0">
-                <a:solidFill>
-                  <a:srgbClr val="569CD6"/>
-                </a:solidFill>
-                <a:effectLst/>
-                <a:latin typeface="Consolas" panose="020B0609020204030204" pitchFamily="49" charset="0"/>
-              </a:rPr>
-              <a:t>base</a:t>
-            </a:r>
-            <a:r>
-              <a:rPr lang="en-US" b="0" dirty="0">
-                <a:solidFill>
-                  <a:srgbClr val="D4D4D4"/>
-                </a:solidFill>
-                <a:effectLst/>
-                <a:latin typeface="Consolas" panose="020B0609020204030204" pitchFamily="49" charset="0"/>
-              </a:rPr>
-              <a:t> </a:t>
-            </a:r>
-            <a:r>
-              <a:rPr lang="en-US" b="0" dirty="0" err="1">
-                <a:solidFill>
-                  <a:srgbClr val="9CDCFE"/>
-                </a:solidFill>
-                <a:effectLst/>
-                <a:latin typeface="Consolas" panose="020B0609020204030204" pitchFamily="49" charset="0"/>
-              </a:rPr>
-              <a:t>href</a:t>
-            </a:r>
-            <a:r>
-              <a:rPr lang="en-US" b="0" dirty="0">
-                <a:solidFill>
-                  <a:srgbClr val="D4D4D4"/>
-                </a:solidFill>
-                <a:effectLst/>
-                <a:latin typeface="Consolas" panose="020B0609020204030204" pitchFamily="49" charset="0"/>
-              </a:rPr>
-              <a:t>=</a:t>
-            </a:r>
-            <a:r>
-              <a:rPr lang="en-US" b="0" dirty="0">
-                <a:solidFill>
-                  <a:srgbClr val="CE9178"/>
-                </a:solidFill>
-                <a:effectLst/>
-                <a:latin typeface="Consolas" panose="020B0609020204030204" pitchFamily="49" charset="0"/>
-              </a:rPr>
-              <a:t>"/</a:t>
-            </a:r>
-            <a:r>
-              <a:rPr lang="en-US" b="0" dirty="0" err="1">
-                <a:solidFill>
-                  <a:srgbClr val="CE9178"/>
-                </a:solidFill>
-                <a:effectLst/>
-                <a:latin typeface="Consolas" panose="020B0609020204030204" pitchFamily="49" charset="0"/>
-              </a:rPr>
-              <a:t>GitHubPagesDemo</a:t>
-            </a:r>
-            <a:r>
-              <a:rPr lang="en-US" b="0" dirty="0">
-                <a:solidFill>
-                  <a:srgbClr val="CE9178"/>
-                </a:solidFill>
-                <a:effectLst/>
-                <a:latin typeface="Consolas" panose="020B0609020204030204" pitchFamily="49" charset="0"/>
-              </a:rPr>
-              <a:t>/"</a:t>
-            </a:r>
-            <a:r>
-              <a:rPr lang="en-US" b="0" dirty="0">
-                <a:solidFill>
-                  <a:srgbClr val="D4D4D4"/>
-                </a:solidFill>
-                <a:effectLst/>
-                <a:latin typeface="Consolas" panose="020B0609020204030204" pitchFamily="49" charset="0"/>
-              </a:rPr>
-              <a:t> </a:t>
-            </a:r>
-            <a:r>
-              <a:rPr lang="en-US" b="0" dirty="0">
-                <a:solidFill>
-                  <a:srgbClr val="808080"/>
-                </a:solidFill>
-                <a:effectLst/>
-                <a:latin typeface="Consolas" panose="020B0609020204030204" pitchFamily="49" charset="0"/>
-              </a:rPr>
-              <a:t>/&gt;</a:t>
-            </a:r>
-            <a:endParaRPr lang="en-US" b="0" dirty="0">
-              <a:solidFill>
-                <a:srgbClr val="D4D4D4"/>
-              </a:solidFill>
-              <a:effectLst/>
-              <a:latin typeface="Consolas" panose="020B0609020204030204" pitchFamily="49" charset="0"/>
-            </a:endParaRPr>
+            <a:r>
+              <a:rPr lang="en-US" dirty="0"/>
+              <a:t>git checkout main</a:t>
+            </a:r>
+          </a:p>
+          <a:p>
+            <a:r>
+              <a:rPr lang="en-US" dirty="0"/>
+              <a:t>dotnet new blazorwasm</a:t>
+            </a:r>
+          </a:p>
+          <a:p>
+            <a:r>
+              <a:rPr lang="en-US" dirty="0"/>
+              <a:t>dotnet new gitignore</a:t>
+            </a:r>
           </a:p>
           <a:p>
             <a:r>
@@ -1113,7 +799,13 @@
           <a:p>
             <a:r>
               <a:rPr lang="en-US" dirty="0"/>
-              <a:t>git commit -m "Fix base tag in subfolder“</a:t>
+              <a:t>git status</a:t>
+            </a:r>
+          </a:p>
+          <a:p>
+            <a:r>
+              <a:rPr lang="en-US" dirty="0"/>
+              <a:t>git commit -m "Add Blazor WASM“</a:t>
             </a:r>
           </a:p>
           <a:p>
@@ -1124,6 +816,76 @@
           </a:p>
           <a:p>
             <a:endParaRPr lang="en-US" dirty="0"/>
+          </a:p>
+          <a:p>
+            <a:r>
+              <a:rPr lang="en-US" dirty="0"/>
+              <a:t>dotnet publish -c Release -o release</a:t>
+            </a:r>
+          </a:p>
+          <a:p>
+            <a:r>
+              <a:rPr lang="en-US" dirty="0"/>
+              <a:t>tree release /F</a:t>
+            </a:r>
+          </a:p>
+          <a:p>
+            <a:r>
+              <a:rPr lang="en-US" dirty="0"/>
+              <a:t>mv release/* ../temp-release</a:t>
+            </a:r>
+          </a:p>
+          <a:p>
+            <a:r>
+              <a:rPr lang="en-US" dirty="0"/>
+              <a:t>git checkout gh-pages</a:t>
+            </a:r>
+          </a:p>
+          <a:p>
+            <a:r>
+              <a:rPr lang="pt-BR" dirty="0"/>
+              <a:t>rm -r bin</a:t>
+            </a:r>
+          </a:p>
+          <a:p>
+            <a:r>
+              <a:rPr lang="pt-BR" dirty="0"/>
+              <a:t>rm -r obj</a:t>
+            </a:r>
+            <a:endParaRPr lang="en-US" dirty="0"/>
+          </a:p>
+          <a:p>
+            <a:endParaRPr lang="en-US" dirty="0"/>
+          </a:p>
+          <a:p>
+            <a:r>
+              <a:rPr lang="en-US" dirty="0"/>
+              <a:t>mv ../temp-release/wwwroot/* . –Force</a:t>
+            </a:r>
+          </a:p>
+          <a:p>
+            <a:r>
+              <a:rPr lang="en-US" b="1" dirty="0"/>
+              <a:t>"* binary" &gt;&gt; .gitattributes</a:t>
+            </a:r>
+          </a:p>
+          <a:p>
+            <a:r>
+              <a:rPr lang="en-US" dirty="0"/>
+              <a:t>git add --all</a:t>
+            </a:r>
+          </a:p>
+          <a:p>
+            <a:r>
+              <a:rPr lang="en-US" dirty="0"/>
+              <a:t>git commit -m "Add publish blazor WASM“</a:t>
+            </a:r>
+          </a:p>
+          <a:p>
+            <a:r>
+              <a:rPr lang="en-US" dirty="0"/>
+              <a:t>git push</a:t>
+            </a:r>
           </a:p>
           <a:p>
             <a:endParaRPr lang="en-US" dirty="0"/>
@@ -1147,16 +909,16 @@
           <a:p>
             <a:fld id="{F4E074B5-100B-4F5F-8E29-6F6591A1F1DB}" type="slidenum">
               <a:rPr lang="en-US" smtClean="0"/>
-              <a:t>10</a:t>
+              <a:t>9</a:t>
             </a:fld>
-            <a:endParaRPr lang="en-US"/>
+            <a:endParaRPr lang="en-US" dirty="0"/>
           </a:p>
         </p:txBody>
       </p:sp>
     </p:spTree>
     <p:extLst>
       <p:ext uri="{BB962C8B-B14F-4D97-AF65-F5344CB8AC3E}">
-        <p14:creationId xmlns:p14="http://schemas.microsoft.com/office/powerpoint/2010/main" val="2588592355"/>
+        <p14:creationId xmlns:p14="http://schemas.microsoft.com/office/powerpoint/2010/main" val="2443052072"/>
       </p:ext>
     </p:extLst>
   </p:cSld>
@@ -1210,6 +972,126 @@
           <a:bodyPr/>
           <a:lstStyle/>
           <a:p>
+            <a:pPr marL="0" marR="0" lvl="0" indent="0" algn="l" defTabSz="914400" rtl="0" eaLnBrk="1" fontAlgn="auto" latinLnBrk="0" hangingPunct="1">
+              <a:lnSpc>
+                <a:spcPct val="100000"/>
+              </a:lnSpc>
+              <a:spcBef>
+                <a:spcPts val="0"/>
+              </a:spcBef>
+              <a:spcAft>
+                <a:spcPts val="0"/>
+              </a:spcAft>
+              <a:buClrTx/>
+              <a:buSzTx/>
+              <a:buFontTx/>
+              <a:buNone/>
+              <a:tabLst/>
+              <a:defRPr/>
+            </a:pPr>
+            <a:r>
+              <a:rPr lang="en-US" dirty="0"/>
+              <a:t>Update </a:t>
+            </a:r>
+            <a:r>
+              <a:rPr lang="en-US" b="0" dirty="0">
+                <a:solidFill>
+                  <a:srgbClr val="D4D4D4"/>
+                </a:solidFill>
+                <a:effectLst/>
+                <a:latin typeface="Consolas" panose="020B0609020204030204" pitchFamily="49" charset="0"/>
+              </a:rPr>
+              <a:t>    </a:t>
+            </a:r>
+            <a:r>
+              <a:rPr lang="en-US" b="0" dirty="0">
+                <a:solidFill>
+                  <a:srgbClr val="808080"/>
+                </a:solidFill>
+                <a:effectLst/>
+                <a:latin typeface="Consolas" panose="020B0609020204030204" pitchFamily="49" charset="0"/>
+              </a:rPr>
+              <a:t>&lt;</a:t>
+            </a:r>
+            <a:r>
+              <a:rPr lang="en-US" b="0" dirty="0">
+                <a:solidFill>
+                  <a:srgbClr val="569CD6"/>
+                </a:solidFill>
+                <a:effectLst/>
+                <a:latin typeface="Consolas" panose="020B0609020204030204" pitchFamily="49" charset="0"/>
+              </a:rPr>
+              <a:t>base</a:t>
+            </a:r>
+            <a:r>
+              <a:rPr lang="en-US" b="0" dirty="0">
+                <a:solidFill>
+                  <a:srgbClr val="D4D4D4"/>
+                </a:solidFill>
+                <a:effectLst/>
+                <a:latin typeface="Consolas" panose="020B0609020204030204" pitchFamily="49" charset="0"/>
+              </a:rPr>
+              <a:t> </a:t>
+            </a:r>
+            <a:r>
+              <a:rPr lang="en-US" b="0" dirty="0">
+                <a:solidFill>
+                  <a:srgbClr val="9CDCFE"/>
+                </a:solidFill>
+                <a:effectLst/>
+                <a:latin typeface="Consolas" panose="020B0609020204030204" pitchFamily="49" charset="0"/>
+              </a:rPr>
+              <a:t>href</a:t>
+            </a:r>
+            <a:r>
+              <a:rPr lang="en-US" b="0" dirty="0">
+                <a:solidFill>
+                  <a:srgbClr val="D4D4D4"/>
+                </a:solidFill>
+                <a:effectLst/>
+                <a:latin typeface="Consolas" panose="020B0609020204030204" pitchFamily="49" charset="0"/>
+              </a:rPr>
+              <a:t>=</a:t>
+            </a:r>
+            <a:r>
+              <a:rPr lang="en-US" b="0" dirty="0">
+                <a:solidFill>
+                  <a:srgbClr val="CE9178"/>
+                </a:solidFill>
+                <a:effectLst/>
+                <a:latin typeface="Consolas" panose="020B0609020204030204" pitchFamily="49" charset="0"/>
+              </a:rPr>
+              <a:t>"/GitHubPagesDemo/"</a:t>
+            </a:r>
+            <a:r>
+              <a:rPr lang="en-US" b="0" dirty="0">
+                <a:solidFill>
+                  <a:srgbClr val="D4D4D4"/>
+                </a:solidFill>
+                <a:effectLst/>
+                <a:latin typeface="Consolas" panose="020B0609020204030204" pitchFamily="49" charset="0"/>
+              </a:rPr>
+              <a:t> </a:t>
+            </a:r>
+            <a:r>
+              <a:rPr lang="en-US" b="0" dirty="0">
+                <a:solidFill>
+                  <a:srgbClr val="808080"/>
+                </a:solidFill>
+                <a:effectLst/>
+                <a:latin typeface="Consolas" panose="020B0609020204030204" pitchFamily="49" charset="0"/>
+              </a:rPr>
+              <a:t>/&gt;</a:t>
+            </a:r>
+            <a:endParaRPr lang="en-US" b="0" dirty="0">
+              <a:solidFill>
+                <a:srgbClr val="D4D4D4"/>
+              </a:solidFill>
+              <a:effectLst/>
+              <a:latin typeface="Consolas" panose="020B0609020204030204" pitchFamily="49" charset="0"/>
+            </a:endParaRPr>
+          </a:p>
+          <a:p>
             <a:r>
               <a:rPr lang="en-US" dirty="0"/>
               <a:t>git add --all</a:t>
@@ -1218,15 +1100,7 @@
           <a:p>
             <a:r>
               <a:rPr lang="en-US" dirty="0"/>
-              <a:t>git commit -m "Add .</a:t>
-            </a:r>
-            <a:r>
-              <a:rPr lang="en-US" dirty="0" err="1"/>
-              <a:t>nojekyll</a:t>
-            </a:r>
-            <a:r>
-              <a:rPr lang="en-US" dirty="0"/>
-              <a:t> file“</a:t>
+              <a:t>git commit -m "Fix base tag in subfolder“</a:t>
             </a:r>
           </a:p>
           <a:p>
@@ -1234,6 +1108,12 @@
               <a:rPr lang="en-US" dirty="0"/>
               <a:t>git push</a:t>
             </a:r>
+          </a:p>
+          <a:p>
+            <a:endParaRPr lang="en-US" dirty="0"/>
+          </a:p>
+          <a:p>
+            <a:endParaRPr lang="en-US" dirty="0"/>
           </a:p>
         </p:txBody>
       </p:sp>
@@ -1254,16 +1134,16 @@
           <a:p>
             <a:fld id="{F4E074B5-100B-4F5F-8E29-6F6591A1F1DB}" type="slidenum">
               <a:rPr lang="en-US" smtClean="0"/>
-              <a:t>11</a:t>
+              <a:t>10</a:t>
             </a:fld>
-            <a:endParaRPr lang="en-US"/>
+            <a:endParaRPr lang="en-US" dirty="0"/>
           </a:p>
         </p:txBody>
       </p:sp>
     </p:spTree>
     <p:extLst>
       <p:ext uri="{BB962C8B-B14F-4D97-AF65-F5344CB8AC3E}">
-        <p14:creationId xmlns:p14="http://schemas.microsoft.com/office/powerpoint/2010/main" val="2173768414"/>
+        <p14:creationId xmlns:p14="http://schemas.microsoft.com/office/powerpoint/2010/main" val="2588592355"/>
       </p:ext>
     </p:extLst>
   </p:cSld>
@@ -1319,44 +1199,13 @@
           <a:p>
             <a:r>
               <a:rPr lang="en-US" dirty="0"/>
-              <a:t>Unlike Azure Static Web Apps and other static site </a:t>
-            </a:r>
-            <a:r>
-              <a:rPr lang="en-US" dirty="0" err="1"/>
-              <a:t>hostings</a:t>
-            </a:r>
-            <a:r>
-              <a:rPr lang="en-US" dirty="0"/>
-              <a:t>, GitHub Pages does not support customizable routing</a:t>
-            </a:r>
-          </a:p>
-          <a:p>
-            <a:r>
-              <a:rPr lang="en-US" dirty="0"/>
-              <a:t>But they do have support for a custom 404 page which we can abuse</a:t>
-            </a:r>
-            <a:br>
-              <a:rPr lang="en-US" dirty="0"/>
-            </a:br>
-            <a:endParaRPr lang="en-US" dirty="0"/>
-          </a:p>
-          <a:p>
-            <a:r>
-              <a:rPr lang="en-US" dirty="0"/>
-              <a:t>cp index.html 404.html</a:t>
-            </a:r>
-            <a:br>
-              <a:rPr lang="en-US" dirty="0"/>
-            </a:br>
-            <a:r>
-              <a:rPr lang="en-US" dirty="0"/>
               <a:t>git add --all</a:t>
             </a:r>
           </a:p>
           <a:p>
             <a:r>
               <a:rPr lang="en-US" dirty="0"/>
-              <a:t>git commit -m "Add 404 copy of index.html“</a:t>
+              <a:t>git commit -m "Add .nojekyll file“</a:t>
             </a:r>
           </a:p>
           <a:p>
@@ -1384,16 +1233,16 @@
           <a:p>
             <a:fld id="{F4E074B5-100B-4F5F-8E29-6F6591A1F1DB}" type="slidenum">
               <a:rPr lang="en-US" smtClean="0"/>
-              <a:t>12</a:t>
+              <a:t>11</a:t>
             </a:fld>
-            <a:endParaRPr lang="en-US"/>
+            <a:endParaRPr lang="en-US" dirty="0"/>
           </a:p>
         </p:txBody>
       </p:sp>
     </p:spTree>
     <p:extLst>
       <p:ext uri="{BB962C8B-B14F-4D97-AF65-F5344CB8AC3E}">
-        <p14:creationId xmlns:p14="http://schemas.microsoft.com/office/powerpoint/2010/main" val="691445596"/>
+        <p14:creationId xmlns:p14="http://schemas.microsoft.com/office/powerpoint/2010/main" val="2173768414"/>
       </p:ext>
     </p:extLst>
   </p:cSld>
@@ -1449,15 +1298,7 @@
           <a:p>
             <a:r>
               <a:rPr lang="en-US" dirty="0"/>
-              <a:t>Unlike Azure Static Web Apps and other static site </a:t>
-            </a:r>
-            <a:r>
-              <a:rPr lang="en-US" dirty="0" err="1"/>
-              <a:t>hostings</a:t>
-            </a:r>
-            <a:r>
-              <a:rPr lang="en-US" dirty="0"/>
-              <a:t>, GitHub Pages does not support customizable routing</a:t>
+              <a:t>Unlike Azure Static Web Apps and other static site hosting's, GitHub Pages does not support customizable routing</a:t>
             </a:r>
           </a:p>
           <a:p>
@@ -1514,16 +1355,16 @@
           <a:p>
             <a:fld id="{F4E074B5-100B-4F5F-8E29-6F6591A1F1DB}" type="slidenum">
               <a:rPr lang="en-US" smtClean="0"/>
-              <a:t>13</a:t>
+              <a:t>12</a:t>
             </a:fld>
-            <a:endParaRPr lang="en-US"/>
+            <a:endParaRPr lang="en-US" dirty="0"/>
           </a:p>
         </p:txBody>
       </p:sp>
     </p:spTree>
     <p:extLst>
       <p:ext uri="{BB962C8B-B14F-4D97-AF65-F5344CB8AC3E}">
-        <p14:creationId xmlns:p14="http://schemas.microsoft.com/office/powerpoint/2010/main" val="893364750"/>
+        <p14:creationId xmlns:p14="http://schemas.microsoft.com/office/powerpoint/2010/main" val="691445596"/>
       </p:ext>
     </p:extLst>
   </p:cSld>
@@ -1579,405 +1420,43 @@
           <a:p>
             <a:r>
               <a:rPr lang="en-US" dirty="0"/>
-              <a:t>Create GitHub Actions Workflow in the browser</a:t>
-            </a:r>
-          </a:p>
-          <a:p>
+              <a:t>Unlike Azure Static Web Apps and other static site hosting's, GitHub Pages does not support customizable routing</a:t>
+            </a:r>
+          </a:p>
+          <a:p>
+            <a:r>
+              <a:rPr lang="en-US" dirty="0"/>
+              <a:t>But they do have support for a custom 404 page which we can abuse</a:t>
+            </a:r>
+            <a:br>
+              <a:rPr lang="en-US" dirty="0"/>
+            </a:br>
             <a:endParaRPr lang="en-US" dirty="0"/>
           </a:p>
           <a:p>
             <a:r>
               <a:rPr lang="en-US" dirty="0"/>
-              <a:t>name: Deploy to GitHub Pages</a:t>
-            </a:r>
-          </a:p>
-          <a:p>
-            <a:endParaRPr lang="en-US" dirty="0"/>
-          </a:p>
-          <a:p>
-            <a:r>
-              <a:rPr lang="en-US" dirty="0"/>
-              <a:t># Run workflow on every push to the master branch</a:t>
-            </a:r>
-          </a:p>
-          <a:p>
-            <a:r>
-              <a:rPr lang="en-US" dirty="0"/>
-              <a:t>on:</a:t>
-            </a:r>
-          </a:p>
-          <a:p>
-            <a:r>
-              <a:rPr lang="en-US" dirty="0"/>
-              <a:t>  push:</a:t>
-            </a:r>
-          </a:p>
-          <a:p>
-            <a:r>
-              <a:rPr lang="en-US" dirty="0"/>
-              <a:t>    branches: [ main ]</a:t>
-            </a:r>
-          </a:p>
-          <a:p>
-            <a:endParaRPr lang="en-US" dirty="0"/>
-          </a:p>
-          <a:p>
-            <a:r>
-              <a:rPr lang="en-US" dirty="0"/>
-              <a:t>jobs:</a:t>
-            </a:r>
-          </a:p>
-          <a:p>
-            <a:r>
-              <a:rPr lang="en-US" dirty="0"/>
-              <a:t>  deploy-to-</a:t>
-            </a:r>
-            <a:r>
-              <a:rPr lang="en-US" dirty="0" err="1"/>
-              <a:t>github</a:t>
-            </a:r>
-            <a:r>
-              <a:rPr lang="en-US" dirty="0"/>
-              <a:t>-pages:</a:t>
-            </a:r>
-          </a:p>
-          <a:p>
-            <a:r>
-              <a:rPr lang="en-US" dirty="0"/>
-              <a:t>    # use ubuntu-latest image to run steps on</a:t>
-            </a:r>
-          </a:p>
-          <a:p>
-            <a:r>
-              <a:rPr lang="en-US" dirty="0"/>
-              <a:t>    runs-on: ubuntu-latest</a:t>
-            </a:r>
-          </a:p>
-          <a:p>
-            <a:r>
-              <a:rPr lang="en-US" dirty="0"/>
-              <a:t>    steps:</a:t>
-            </a:r>
-          </a:p>
-          <a:p>
-            <a:r>
-              <a:rPr lang="en-US" dirty="0"/>
-              <a:t>    # uses GitHub's checkout action to checkout code form the master branch</a:t>
-            </a:r>
-          </a:p>
-          <a:p>
-            <a:r>
-              <a:rPr lang="en-US" dirty="0"/>
-              <a:t>    - uses: actions/checkout@v2</a:t>
-            </a:r>
-          </a:p>
-          <a:p>
-            <a:r>
-              <a:rPr lang="en-US" dirty="0"/>
-              <a:t>    </a:t>
-            </a:r>
-          </a:p>
-          <a:p>
-            <a:r>
-              <a:rPr lang="en-US" dirty="0"/>
-              <a:t>    # sets up .NET Core SDK 5.0.101</a:t>
-            </a:r>
-          </a:p>
-          <a:p>
-            <a:r>
-              <a:rPr lang="en-US" dirty="0"/>
-              <a:t>    - name: Setup .NET Core SDK</a:t>
-            </a:r>
-          </a:p>
-          <a:p>
-            <a:r>
-              <a:rPr lang="en-US" dirty="0"/>
-              <a:t>      uses: actions/setup-dotnet@v1</a:t>
-            </a:r>
-          </a:p>
-          <a:p>
-            <a:r>
-              <a:rPr lang="en-US" dirty="0"/>
-              <a:t>      with:</a:t>
-            </a:r>
-          </a:p>
-          <a:p>
-            <a:r>
-              <a:rPr lang="en-US" dirty="0"/>
-              <a:t>        dotnet-version: 5.0.101</a:t>
-            </a:r>
-          </a:p>
-          <a:p>
-            <a:endParaRPr lang="en-US" dirty="0"/>
-          </a:p>
-          <a:p>
-            <a:r>
-              <a:rPr lang="en-US" dirty="0"/>
-              <a:t>    # publishes Blazor project to the release-folder</a:t>
-            </a:r>
-          </a:p>
-          <a:p>
-            <a:r>
-              <a:rPr lang="en-US" dirty="0"/>
-              <a:t>    - name: Publish .NET Core Project</a:t>
-            </a:r>
-          </a:p>
-          <a:p>
-            <a:r>
-              <a:rPr lang="en-US" dirty="0"/>
-              <a:t>      run: dotnet publish -c Release -o release --</a:t>
-            </a:r>
-            <a:r>
-              <a:rPr lang="en-US" dirty="0" err="1"/>
-              <a:t>nologo</a:t>
-            </a:r>
-            <a:endParaRPr lang="en-US" dirty="0"/>
-          </a:p>
-          <a:p>
-            <a:r>
-              <a:rPr lang="en-US" dirty="0"/>
-              <a:t>    </a:t>
-            </a:r>
-          </a:p>
-          <a:p>
-            <a:r>
-              <a:rPr lang="en-US" dirty="0"/>
-              <a:t>    # changes the base-tag in index.html from '/' to '</a:t>
-            </a:r>
-            <a:r>
-              <a:rPr lang="en-US" dirty="0" err="1"/>
-              <a:t>GitHubPagesDemo</a:t>
-            </a:r>
-            <a:r>
-              <a:rPr lang="en-US" dirty="0"/>
-              <a:t>' to match GitHub Pages repository subdirectory</a:t>
-            </a:r>
-          </a:p>
-          <a:p>
-            <a:r>
-              <a:rPr lang="en-US" dirty="0"/>
-              <a:t>    - name: Change base-tag in index.html from / to </a:t>
-            </a:r>
-            <a:r>
-              <a:rPr lang="en-US" dirty="0" err="1"/>
-              <a:t>GitHubPagesDemo</a:t>
-            </a:r>
-            <a:endParaRPr lang="en-US" dirty="0"/>
-          </a:p>
-          <a:p>
-            <a:r>
-              <a:rPr lang="en-US" dirty="0"/>
-              <a:t>      run: sed -</a:t>
-            </a:r>
-            <a:r>
-              <a:rPr lang="en-US" dirty="0" err="1"/>
-              <a:t>i</a:t>
-            </a:r>
-            <a:r>
-              <a:rPr lang="en-US" dirty="0"/>
-              <a:t> 's/&lt;base </a:t>
-            </a:r>
-            <a:r>
-              <a:rPr lang="en-US" dirty="0" err="1"/>
-              <a:t>href</a:t>
-            </a:r>
-            <a:r>
-              <a:rPr lang="en-US" dirty="0"/>
-              <a:t>="\/" \/&gt;/&lt;base </a:t>
-            </a:r>
-            <a:r>
-              <a:rPr lang="en-US" dirty="0" err="1"/>
-              <a:t>href</a:t>
-            </a:r>
-            <a:r>
-              <a:rPr lang="en-US" dirty="0"/>
-              <a:t>="\/</a:t>
-            </a:r>
-            <a:r>
-              <a:rPr lang="en-US" dirty="0" err="1"/>
-              <a:t>GitHubPagesDemo</a:t>
-            </a:r>
-            <a:r>
-              <a:rPr lang="en-US" dirty="0"/>
-              <a:t>\/" \/&gt;/g' release/</a:t>
-            </a:r>
-            <a:r>
-              <a:rPr lang="en-US" dirty="0" err="1"/>
-              <a:t>wwwroot</a:t>
-            </a:r>
-            <a:r>
-              <a:rPr lang="en-US" dirty="0"/>
-              <a:t>/index.html</a:t>
-            </a:r>
-          </a:p>
-          <a:p>
-            <a:r>
-              <a:rPr lang="en-US" dirty="0"/>
-              <a:t>    </a:t>
-            </a:r>
-          </a:p>
-          <a:p>
-            <a:r>
-              <a:rPr lang="en-US" dirty="0"/>
-              <a:t>    # copy index.html to 404.html to serve the same file when a file is not found</a:t>
-            </a:r>
-          </a:p>
-          <a:p>
-            <a:r>
-              <a:rPr lang="en-US" dirty="0"/>
-              <a:t>    - name: copy index.html to 404.html</a:t>
-            </a:r>
-          </a:p>
-          <a:p>
-            <a:r>
-              <a:rPr lang="en-US" dirty="0"/>
-              <a:t>      run: cp release/</a:t>
-            </a:r>
-            <a:r>
-              <a:rPr lang="en-US" dirty="0" err="1"/>
-              <a:t>wwwroot</a:t>
-            </a:r>
-            <a:r>
-              <a:rPr lang="en-US" dirty="0"/>
-              <a:t>/index.html release/</a:t>
-            </a:r>
-            <a:r>
-              <a:rPr lang="en-US" dirty="0" err="1"/>
-              <a:t>wwwroot</a:t>
-            </a:r>
-            <a:r>
-              <a:rPr lang="en-US" dirty="0"/>
-              <a:t>/404.html</a:t>
-            </a:r>
-          </a:p>
-          <a:p>
-            <a:endParaRPr lang="en-US" dirty="0"/>
-          </a:p>
-          <a:p>
-            <a:r>
-              <a:rPr lang="en-US" dirty="0"/>
-              <a:t>    # add .</a:t>
-            </a:r>
-            <a:r>
-              <a:rPr lang="en-US" dirty="0" err="1"/>
-              <a:t>nojekyll</a:t>
-            </a:r>
-            <a:r>
-              <a:rPr lang="en-US" dirty="0"/>
-              <a:t> file to tell GitHub pages to not treat this as a Jekyll project. (Allow files and folders starting with an underscore)</a:t>
-            </a:r>
-          </a:p>
-          <a:p>
-            <a:r>
-              <a:rPr lang="en-US" dirty="0"/>
-              <a:t>    - name: Add .</a:t>
-            </a:r>
-            <a:r>
-              <a:rPr lang="en-US" dirty="0" err="1"/>
-              <a:t>nojekyll</a:t>
-            </a:r>
-            <a:r>
-              <a:rPr lang="en-US" dirty="0"/>
-              <a:t> file</a:t>
-            </a:r>
-          </a:p>
-          <a:p>
-            <a:r>
-              <a:rPr lang="en-US" dirty="0"/>
-              <a:t>      run: touch release/</a:t>
-            </a:r>
-            <a:r>
-              <a:rPr lang="en-US" dirty="0" err="1"/>
-              <a:t>wwwroot</a:t>
-            </a:r>
-            <a:r>
-              <a:rPr lang="en-US" dirty="0"/>
-              <a:t>/.</a:t>
-            </a:r>
-            <a:r>
-              <a:rPr lang="en-US" dirty="0" err="1"/>
-              <a:t>nojekyll</a:t>
-            </a:r>
-            <a:endParaRPr lang="en-US" dirty="0"/>
-          </a:p>
-          <a:p>
-            <a:r>
-              <a:rPr lang="en-US" dirty="0"/>
-              <a:t>      </a:t>
-            </a:r>
-          </a:p>
-          <a:p>
-            <a:r>
-              <a:rPr lang="en-US" dirty="0"/>
-              <a:t>    - name: Commit </a:t>
-            </a:r>
-            <a:r>
-              <a:rPr lang="en-US" dirty="0" err="1"/>
-              <a:t>wwwroot</a:t>
-            </a:r>
-            <a:r>
-              <a:rPr lang="en-US" dirty="0"/>
-              <a:t> to GitHub Pages</a:t>
-            </a:r>
-          </a:p>
-          <a:p>
-            <a:r>
-              <a:rPr lang="en-US" dirty="0"/>
-              <a:t>      uses: </a:t>
-            </a:r>
-            <a:r>
-              <a:rPr lang="en-US" dirty="0" err="1"/>
-              <a:t>JamesIves</a:t>
-            </a:r>
-            <a:r>
-              <a:rPr lang="en-US" dirty="0"/>
-              <a:t>/github-pages-deploy-action@3.7.1</a:t>
-            </a:r>
-          </a:p>
-          <a:p>
-            <a:r>
-              <a:rPr lang="en-US" dirty="0"/>
-              <a:t>      with:</a:t>
-            </a:r>
-          </a:p>
-          <a:p>
-            <a:r>
-              <a:rPr lang="en-US" dirty="0"/>
-              <a:t>        GITHUB_TOKEN: ${{ </a:t>
-            </a:r>
-            <a:r>
-              <a:rPr lang="en-US" dirty="0" err="1"/>
-              <a:t>secrets.GITHUB_TOKEN</a:t>
-            </a:r>
-            <a:r>
-              <a:rPr lang="en-US" dirty="0"/>
-              <a:t> }}</a:t>
-            </a:r>
-          </a:p>
-          <a:p>
-            <a:r>
-              <a:rPr lang="en-US" dirty="0"/>
-              <a:t>        BRANCH: </a:t>
-            </a:r>
-            <a:r>
-              <a:rPr lang="en-US" dirty="0" err="1"/>
-              <a:t>gh</a:t>
-            </a:r>
-            <a:r>
-              <a:rPr lang="en-US" dirty="0"/>
-              <a:t>-pages</a:t>
-            </a:r>
-          </a:p>
-          <a:p>
-            <a:r>
-              <a:rPr lang="en-US" dirty="0"/>
-              <a:t>        FOLDER: release/</a:t>
-            </a:r>
-            <a:r>
-              <a:rPr lang="en-US" dirty="0" err="1"/>
-              <a:t>wwwroot</a:t>
-            </a:r>
-            <a:endParaRPr lang="en-US" dirty="0"/>
+              <a:t>cp index.html 404.html</a:t>
+            </a:r>
+            <a:br>
+              <a:rPr lang="en-US" dirty="0"/>
+            </a:br>
+            <a:r>
+              <a:rPr lang="en-US" dirty="0"/>
+              <a:t>git add --all</a:t>
+            </a:r>
+          </a:p>
+          <a:p>
+            <a:r>
+              <a:rPr lang="en-US" dirty="0"/>
+              <a:t>git commit -m "Add 404 copy of index.html“</a:t>
+            </a:r>
+          </a:p>
+          <a:p>
+            <a:r>
+              <a:rPr lang="en-US" dirty="0"/>
+              <a:t>git push</a:t>
+            </a:r>
           </a:p>
         </p:txBody>
       </p:sp>
@@ -1998,16 +1477,16 @@
           <a:p>
             <a:fld id="{F4E074B5-100B-4F5F-8E29-6F6591A1F1DB}" type="slidenum">
               <a:rPr lang="en-US" smtClean="0"/>
-              <a:t>15</a:t>
+              <a:t>13</a:t>
             </a:fld>
-            <a:endParaRPr lang="en-US"/>
+            <a:endParaRPr lang="en-US" dirty="0"/>
           </a:p>
         </p:txBody>
       </p:sp>
     </p:spTree>
     <p:extLst>
       <p:ext uri="{BB962C8B-B14F-4D97-AF65-F5344CB8AC3E}">
-        <p14:creationId xmlns:p14="http://schemas.microsoft.com/office/powerpoint/2010/main" val="2765000004"/>
+        <p14:creationId xmlns:p14="http://schemas.microsoft.com/office/powerpoint/2010/main" val="893364750"/>
       </p:ext>
     </p:extLst>
   </p:cSld>
@@ -2061,6 +1540,342 @@
           <a:bodyPr/>
           <a:lstStyle/>
           <a:p>
+            <a:r>
+              <a:rPr lang="en-US" dirty="0"/>
+              <a:t>Create GitHub Actions Workflow in the browser</a:t>
+            </a:r>
+          </a:p>
+          <a:p>
+            <a:endParaRPr lang="en-US" dirty="0"/>
+          </a:p>
+          <a:p>
+            <a:r>
+              <a:rPr lang="en-US" dirty="0"/>
+              <a:t>name: Deploy to GitHub Pages</a:t>
+            </a:r>
+          </a:p>
+          <a:p>
+            <a:endParaRPr lang="en-US" dirty="0"/>
+          </a:p>
+          <a:p>
+            <a:r>
+              <a:rPr lang="en-US" dirty="0"/>
+              <a:t># Run workflow on every push to the master branch</a:t>
+            </a:r>
+          </a:p>
+          <a:p>
+            <a:r>
+              <a:rPr lang="en-US" dirty="0"/>
+              <a:t>on:</a:t>
+            </a:r>
+          </a:p>
+          <a:p>
+            <a:r>
+              <a:rPr lang="en-US" dirty="0"/>
+              <a:t>  push:</a:t>
+            </a:r>
+          </a:p>
+          <a:p>
+            <a:r>
+              <a:rPr lang="en-US" dirty="0"/>
+              <a:t>    branches: [ main ]</a:t>
+            </a:r>
+          </a:p>
+          <a:p>
+            <a:endParaRPr lang="en-US" dirty="0"/>
+          </a:p>
+          <a:p>
+            <a:r>
+              <a:rPr lang="en-US" dirty="0"/>
+              <a:t>jobs:</a:t>
+            </a:r>
+          </a:p>
+          <a:p>
+            <a:r>
+              <a:rPr lang="en-US" dirty="0"/>
+              <a:t>  deploy-to-github-pages:</a:t>
+            </a:r>
+          </a:p>
+          <a:p>
+            <a:r>
+              <a:rPr lang="en-US" dirty="0"/>
+              <a:t>    # use ubuntu-latest image to run steps on</a:t>
+            </a:r>
+          </a:p>
+          <a:p>
+            <a:r>
+              <a:rPr lang="en-US" dirty="0"/>
+              <a:t>    runs-on: ubuntu-latest</a:t>
+            </a:r>
+          </a:p>
+          <a:p>
+            <a:r>
+              <a:rPr lang="en-US" dirty="0"/>
+              <a:t>    steps:</a:t>
+            </a:r>
+          </a:p>
+          <a:p>
+            <a:r>
+              <a:rPr lang="en-US" dirty="0"/>
+              <a:t>    # uses GitHub's checkout action to checkout code form the master branch</a:t>
+            </a:r>
+          </a:p>
+          <a:p>
+            <a:r>
+              <a:rPr lang="en-US" dirty="0"/>
+              <a:t>    - uses: actions/checkout@v2</a:t>
+            </a:r>
+          </a:p>
+          <a:p>
+            <a:r>
+              <a:rPr lang="en-US" dirty="0"/>
+              <a:t>    </a:t>
+            </a:r>
+          </a:p>
+          <a:p>
+            <a:r>
+              <a:rPr lang="en-US" dirty="0"/>
+              <a:t>    # sets up .NET Core SDK 5.0.101</a:t>
+            </a:r>
+          </a:p>
+          <a:p>
+            <a:r>
+              <a:rPr lang="en-US" dirty="0"/>
+              <a:t>    - name: Setup .NET Core SDK</a:t>
+            </a:r>
+          </a:p>
+          <a:p>
+            <a:r>
+              <a:rPr lang="en-US" dirty="0"/>
+              <a:t>      uses: actions/setup-dotnet@v1</a:t>
+            </a:r>
+          </a:p>
+          <a:p>
+            <a:r>
+              <a:rPr lang="en-US" dirty="0"/>
+              <a:t>      with:</a:t>
+            </a:r>
+          </a:p>
+          <a:p>
+            <a:r>
+              <a:rPr lang="en-US" dirty="0"/>
+              <a:t>        dotnet-version: 5.0.101</a:t>
+            </a:r>
+          </a:p>
+          <a:p>
+            <a:endParaRPr lang="en-US" dirty="0"/>
+          </a:p>
+          <a:p>
+            <a:r>
+              <a:rPr lang="en-US" dirty="0"/>
+              <a:t>    # publishes Blazor project to the release-folder</a:t>
+            </a:r>
+          </a:p>
+          <a:p>
+            <a:r>
+              <a:rPr lang="en-US" dirty="0"/>
+              <a:t>    - name: Publish .NET Core Project</a:t>
+            </a:r>
+          </a:p>
+          <a:p>
+            <a:r>
+              <a:rPr lang="en-US" dirty="0"/>
+              <a:t>      run: dotnet publish -c Release -o release --nologo</a:t>
+            </a:r>
+          </a:p>
+          <a:p>
+            <a:r>
+              <a:rPr lang="en-US" dirty="0"/>
+              <a:t>    </a:t>
+            </a:r>
+          </a:p>
+          <a:p>
+            <a:r>
+              <a:rPr lang="en-US" dirty="0"/>
+              <a:t>    # changes the base-tag in index.html from '/' to 'GitHubPagesDemo' to match GitHub Pages repository subdirectory</a:t>
+            </a:r>
+          </a:p>
+          <a:p>
+            <a:r>
+              <a:rPr lang="en-US" dirty="0"/>
+              <a:t>    - name: Change base-tag in index.html from / to GitHubPagesDemo</a:t>
+            </a:r>
+          </a:p>
+          <a:p>
+            <a:r>
+              <a:rPr lang="en-US" dirty="0"/>
+              <a:t>      run: sed -i 's/&lt;base href="\/" \/&gt;/&lt;base href="\/GitHubPagesDemo\/" \/&gt;/g' release/wwwroot/index.html</a:t>
+            </a:r>
+          </a:p>
+          <a:p>
+            <a:r>
+              <a:rPr lang="en-US" dirty="0"/>
+              <a:t>    </a:t>
+            </a:r>
+          </a:p>
+          <a:p>
+            <a:r>
+              <a:rPr lang="en-US" dirty="0"/>
+              <a:t>    # copy index.html to 404.html to serve the same file when a file is not found</a:t>
+            </a:r>
+          </a:p>
+          <a:p>
+            <a:r>
+              <a:rPr lang="en-US" dirty="0"/>
+              <a:t>    - name: copy index.html to 404.html</a:t>
+            </a:r>
+          </a:p>
+          <a:p>
+            <a:r>
+              <a:rPr lang="en-US" dirty="0"/>
+              <a:t>      run: cp release/wwwroot/index.html release/wwwroot/404.html</a:t>
+            </a:r>
+          </a:p>
+          <a:p>
+            <a:endParaRPr lang="en-US" dirty="0"/>
+          </a:p>
+          <a:p>
+            <a:r>
+              <a:rPr lang="en-US" dirty="0"/>
+              <a:t>    # add .nojekyll file to tell GitHub pages to not treat this as a Jekyll project. (Allow files and folders starting with an underscore)</a:t>
+            </a:r>
+          </a:p>
+          <a:p>
+            <a:r>
+              <a:rPr lang="en-US" dirty="0"/>
+              <a:t>    - name: Add .nojekyll file</a:t>
+            </a:r>
+          </a:p>
+          <a:p>
+            <a:r>
+              <a:rPr lang="en-US" dirty="0"/>
+              <a:t>      run: touch release/wwwroot/.nojekyll</a:t>
+            </a:r>
+          </a:p>
+          <a:p>
+            <a:r>
+              <a:rPr lang="en-US" dirty="0"/>
+              <a:t>      </a:t>
+            </a:r>
+          </a:p>
+          <a:p>
+            <a:r>
+              <a:rPr lang="en-US" dirty="0"/>
+              <a:t>    - name: Commit wwwroot to GitHub Pages</a:t>
+            </a:r>
+          </a:p>
+          <a:p>
+            <a:r>
+              <a:rPr lang="en-US" dirty="0"/>
+              <a:t>      uses: JamesIves/github-pages-deploy-action@3.7.1</a:t>
+            </a:r>
+          </a:p>
+          <a:p>
+            <a:r>
+              <a:rPr lang="en-US" dirty="0"/>
+              <a:t>      with:</a:t>
+            </a:r>
+          </a:p>
+          <a:p>
+            <a:r>
+              <a:rPr lang="en-US" dirty="0"/>
+              <a:t>        GITHUB_TOKEN: ${{ secrets.GITHUB_TOKEN }}</a:t>
+            </a:r>
+          </a:p>
+          <a:p>
+            <a:r>
+              <a:rPr lang="en-US" dirty="0"/>
+              <a:t>        BRANCH: gh-pages</a:t>
+            </a:r>
+          </a:p>
+          <a:p>
+            <a:r>
+              <a:rPr lang="en-US" dirty="0"/>
+              <a:t>        FOLDER: release/wwwroot</a:t>
+            </a:r>
+          </a:p>
+        </p:txBody>
+      </p:sp>
+      <p:sp>
+        <p:nvSpPr>
+          <p:cNvPr id="4" name="Slide Number Placeholder 3"/>
+          <p:cNvSpPr>
+            <a:spLocks noGrp="1"/>
+          </p:cNvSpPr>
+          <p:nvPr>
+            <p:ph type="sldNum" sz="quarter" idx="5"/>
+          </p:nvPr>
+        </p:nvSpPr>
+        <p:spPr/>
+        <p:txBody>
+          <a:bodyPr/>
+          <a:lstStyle/>
+          <a:p>
+            <a:fld id="{F4E074B5-100B-4F5F-8E29-6F6591A1F1DB}" type="slidenum">
+              <a:rPr lang="en-US" smtClean="0"/>
+              <a:t>15</a:t>
+            </a:fld>
+            <a:endParaRPr lang="en-US" dirty="0"/>
+          </a:p>
+        </p:txBody>
+      </p:sp>
+    </p:spTree>
+    <p:extLst>
+      <p:ext uri="{BB962C8B-B14F-4D97-AF65-F5344CB8AC3E}">
+        <p14:creationId xmlns:p14="http://schemas.microsoft.com/office/powerpoint/2010/main" val="2765000004"/>
+      </p:ext>
+    </p:extLst>
+  </p:cSld>
+  <p:clrMapOvr>
+    <a:masterClrMapping/>
+  </p:clrMapOvr>
+</p:notes>
+</file>
+
+<file path=ppt/notesSlides/notesSlide9.xml><?xml version="1.0" encoding="utf-8"?>
+<p:notes xmlns:a="http://schemas.openxmlformats.org/drawingml/2006/main" xmlns:r="http://schemas.openxmlformats.org/officeDocument/2006/relationships" xmlns:p="http://schemas.openxmlformats.org/presentationml/2006/main">
+  <p:cSld>
+    <p:spTree>
+      <p:nvGrpSpPr>
+        <p:cNvPr id="1" name=""/>
+        <p:cNvGrpSpPr/>
+        <p:nvPr/>
+      </p:nvGrpSpPr>
+      <p:grpSpPr>
+        <a:xfrm>
+          <a:off x="0" y="0"/>
+          <a:ext cx="0" cy="0"/>
+          <a:chOff x="0" y="0"/>
+          <a:chExt cx="0" cy="0"/>
+        </a:xfrm>
+      </p:grpSpPr>
+      <p:sp>
+        <p:nvSpPr>
+          <p:cNvPr id="2" name="Slide Image Placeholder 1"/>
+          <p:cNvSpPr>
+            <a:spLocks noGrp="1" noRot="1" noChangeAspect="1"/>
+          </p:cNvSpPr>
+          <p:nvPr>
+            <p:ph type="sldImg"/>
+          </p:nvPr>
+        </p:nvSpPr>
+        <p:spPr/>
+      </p:sp>
+      <p:sp>
+        <p:nvSpPr>
+          <p:cNvPr id="3" name="Notes Placeholder 2"/>
+          <p:cNvSpPr>
+            <a:spLocks noGrp="1"/>
+          </p:cNvSpPr>
+          <p:nvPr>
+            <p:ph type="body" idx="1"/>
+          </p:nvPr>
+        </p:nvSpPr>
+        <p:spPr/>
+        <p:txBody>
+          <a:bodyPr/>
+          <a:lstStyle/>
+          <a:p>
             <a:endParaRPr lang="en-US" dirty="0"/>
           </a:p>
         </p:txBody>
@@ -2084,7 +1899,7 @@
               <a:rPr lang="en-US" smtClean="0"/>
               <a:t>17</a:t>
             </a:fld>
-            <a:endParaRPr lang="en-US"/>
+            <a:endParaRPr lang="en-US" dirty="0"/>
           </a:p>
         </p:txBody>
       </p:sp>
@@ -2248,9 +2063,9 @@
           <a:p>
             <a:fld id="{2A4FA98C-1AC5-4994-8CEF-6126DCC40BFF}" type="datetime1">
               <a:rPr lang="en-US" smtClean="0"/>
-              <a:t>12/14/2020</a:t>
+              <a:t>12/15/2020</a:t>
             </a:fld>
-            <a:endParaRPr lang="en-US"/>
+            <a:endParaRPr lang="en-US" dirty="0"/>
           </a:p>
         </p:txBody>
       </p:sp>
@@ -2279,7 +2094,7 @@
               <a:rPr lang="de-DE"/>
               <a:t>© Niels Swimberghe https://swimburger.net - @RealSwimburger</a:t>
             </a:r>
-            <a:endParaRPr lang="en-US"/>
+            <a:endParaRPr lang="en-US" dirty="0"/>
           </a:p>
         </p:txBody>
       </p:sp>
@@ -2308,7 +2123,7 @@
               <a:rPr lang="en-US" smtClean="0"/>
               <a:t>‹#›</a:t>
             </a:fld>
-            <a:endParaRPr lang="en-US"/>
+            <a:endParaRPr lang="en-US" dirty="0"/>
           </a:p>
         </p:txBody>
       </p:sp>
@@ -2450,9 +2265,9 @@
           <a:p>
             <a:fld id="{CF9A1C99-4184-45F0-9AA1-C697F85E623B}" type="datetime1">
               <a:rPr lang="en-US" smtClean="0"/>
-              <a:t>12/14/2020</a:t>
+              <a:t>12/15/2020</a:t>
             </a:fld>
-            <a:endParaRPr lang="en-US"/>
+            <a:endParaRPr lang="en-US" dirty="0"/>
           </a:p>
         </p:txBody>
       </p:sp>
@@ -2481,7 +2296,7 @@
               <a:rPr lang="de-DE"/>
               <a:t>© Niels Swimberghe https://swimburger.net - @RealSwimburger</a:t>
             </a:r>
-            <a:endParaRPr lang="en-US"/>
+            <a:endParaRPr lang="en-US" dirty="0"/>
           </a:p>
         </p:txBody>
       </p:sp>
@@ -2510,7 +2325,7 @@
               <a:rPr lang="en-US" smtClean="0"/>
               <a:t>‹#›</a:t>
             </a:fld>
-            <a:endParaRPr lang="en-US"/>
+            <a:endParaRPr lang="en-US" dirty="0"/>
           </a:p>
         </p:txBody>
       </p:sp>
@@ -2662,9 +2477,9 @@
           <a:p>
             <a:fld id="{D1EC2A0B-BBCB-4B8B-9248-C859E21102C1}" type="datetime1">
               <a:rPr lang="en-US" smtClean="0"/>
-              <a:t>12/14/2020</a:t>
+              <a:t>12/15/2020</a:t>
             </a:fld>
-            <a:endParaRPr lang="en-US"/>
+            <a:endParaRPr lang="en-US" dirty="0"/>
           </a:p>
         </p:txBody>
       </p:sp>
@@ -2693,7 +2508,7 @@
               <a:rPr lang="de-DE"/>
               <a:t>© Niels Swimberghe https://swimburger.net - @RealSwimburger</a:t>
             </a:r>
-            <a:endParaRPr lang="en-US"/>
+            <a:endParaRPr lang="en-US" dirty="0"/>
           </a:p>
         </p:txBody>
       </p:sp>
@@ -2722,7 +2537,7 @@
               <a:rPr lang="en-US" smtClean="0"/>
               <a:t>‹#›</a:t>
             </a:fld>
-            <a:endParaRPr lang="en-US"/>
+            <a:endParaRPr lang="en-US" dirty="0"/>
           </a:p>
         </p:txBody>
       </p:sp>
@@ -2864,9 +2679,9 @@
           <a:p>
             <a:fld id="{BED2CB5F-3D5A-4261-A2A7-FB9EA21A41BA}" type="datetime1">
               <a:rPr lang="en-US" smtClean="0"/>
-              <a:t>12/14/2020</a:t>
+              <a:t>12/15/2020</a:t>
             </a:fld>
-            <a:endParaRPr lang="en-US"/>
+            <a:endParaRPr lang="en-US" dirty="0"/>
           </a:p>
         </p:txBody>
       </p:sp>
@@ -2895,7 +2710,7 @@
               <a:rPr lang="de-DE"/>
               <a:t>© Niels Swimberghe https://swimburger.net - @RealSwimburger</a:t>
             </a:r>
-            <a:endParaRPr lang="en-US"/>
+            <a:endParaRPr lang="en-US" dirty="0"/>
           </a:p>
         </p:txBody>
       </p:sp>
@@ -2924,7 +2739,7 @@
               <a:rPr lang="en-US" smtClean="0"/>
               <a:t>‹#›</a:t>
             </a:fld>
-            <a:endParaRPr lang="en-US"/>
+            <a:endParaRPr lang="en-US" dirty="0"/>
           </a:p>
         </p:txBody>
       </p:sp>
@@ -3143,9 +2958,9 @@
           <a:p>
             <a:fld id="{95D14C51-39EE-440C-83FB-1AD9E676741A}" type="datetime1">
               <a:rPr lang="en-US" smtClean="0"/>
-              <a:t>12/14/2020</a:t>
+              <a:t>12/15/2020</a:t>
             </a:fld>
-            <a:endParaRPr lang="en-US"/>
+            <a:endParaRPr lang="en-US" dirty="0"/>
           </a:p>
         </p:txBody>
       </p:sp>
@@ -3174,7 +2989,7 @@
               <a:rPr lang="de-DE"/>
               <a:t>© Niels Swimberghe https://swimburger.net - @RealSwimburger</a:t>
             </a:r>
-            <a:endParaRPr lang="en-US"/>
+            <a:endParaRPr lang="en-US" dirty="0"/>
           </a:p>
         </p:txBody>
       </p:sp>
@@ -3203,7 +3018,7 @@
               <a:rPr lang="en-US" smtClean="0"/>
               <a:t>‹#›</a:t>
             </a:fld>
-            <a:endParaRPr lang="en-US"/>
+            <a:endParaRPr lang="en-US" dirty="0"/>
           </a:p>
         </p:txBody>
       </p:sp>
@@ -3412,9 +3227,9 @@
           <a:p>
             <a:fld id="{2878B5CC-C6DC-4AD3-82B3-E28A83EAB02B}" type="datetime1">
               <a:rPr lang="en-US" smtClean="0"/>
-              <a:t>12/14/2020</a:t>
+              <a:t>12/15/2020</a:t>
             </a:fld>
-            <a:endParaRPr lang="en-US"/>
+            <a:endParaRPr lang="en-US" dirty="0"/>
           </a:p>
         </p:txBody>
       </p:sp>
@@ -3443,7 +3258,7 @@
               <a:rPr lang="de-DE"/>
               <a:t>© Niels Swimberghe https://swimburger.net - @RealSwimburger</a:t>
             </a:r>
-            <a:endParaRPr lang="en-US"/>
+            <a:endParaRPr lang="en-US" dirty="0"/>
           </a:p>
         </p:txBody>
       </p:sp>
@@ -3472,7 +3287,7 @@
               <a:rPr lang="en-US" smtClean="0"/>
               <a:t>‹#›</a:t>
             </a:fld>
-            <a:endParaRPr lang="en-US"/>
+            <a:endParaRPr lang="en-US" dirty="0"/>
           </a:p>
         </p:txBody>
       </p:sp>
@@ -3828,9 +3643,9 @@
           <a:p>
             <a:fld id="{15F30398-614A-48BF-B149-7E39CBB7FEEB}" type="datetime1">
               <a:rPr lang="en-US" smtClean="0"/>
-              <a:t>12/14/2020</a:t>
+              <a:t>12/15/2020</a:t>
             </a:fld>
-            <a:endParaRPr lang="en-US"/>
+            <a:endParaRPr lang="en-US" dirty="0"/>
           </a:p>
         </p:txBody>
       </p:sp>
@@ -3859,7 +3674,7 @@
               <a:rPr lang="de-DE"/>
               <a:t>© Niels Swimberghe https://swimburger.net - @RealSwimburger</a:t>
             </a:r>
-            <a:endParaRPr lang="en-US"/>
+            <a:endParaRPr lang="en-US" dirty="0"/>
           </a:p>
         </p:txBody>
       </p:sp>
@@ -3888,7 +3703,7 @@
               <a:rPr lang="en-US" smtClean="0"/>
               <a:t>‹#›</a:t>
             </a:fld>
-            <a:endParaRPr lang="en-US"/>
+            <a:endParaRPr lang="en-US" dirty="0"/>
           </a:p>
         </p:txBody>
       </p:sp>
@@ -3973,9 +3788,9 @@
           <a:p>
             <a:fld id="{6999B1E3-E444-4102-8B7B-4548D0914EED}" type="datetime1">
               <a:rPr lang="en-US" smtClean="0"/>
-              <a:t>12/14/2020</a:t>
+              <a:t>12/15/2020</a:t>
             </a:fld>
-            <a:endParaRPr lang="en-US"/>
+            <a:endParaRPr lang="en-US" dirty="0"/>
           </a:p>
         </p:txBody>
       </p:sp>
@@ -4004,7 +3819,7 @@
               <a:rPr lang="de-DE"/>
               <a:t>© Niels Swimberghe https://swimburger.net - @RealSwimburger</a:t>
             </a:r>
-            <a:endParaRPr lang="en-US"/>
+            <a:endParaRPr lang="en-US" dirty="0"/>
           </a:p>
         </p:txBody>
       </p:sp>
@@ -4033,7 +3848,7 @@
               <a:rPr lang="en-US" smtClean="0"/>
               <a:t>‹#›</a:t>
             </a:fld>
-            <a:endParaRPr lang="en-US"/>
+            <a:endParaRPr lang="en-US" dirty="0"/>
           </a:p>
         </p:txBody>
       </p:sp>
@@ -4090,9 +3905,9 @@
           <a:p>
             <a:fld id="{4F03F3BD-A6C1-47A3-B461-CF850BBDDC38}" type="datetime1">
               <a:rPr lang="en-US" smtClean="0"/>
-              <a:t>12/14/2020</a:t>
+              <a:t>12/15/2020</a:t>
             </a:fld>
-            <a:endParaRPr lang="en-US"/>
+            <a:endParaRPr lang="en-US" dirty="0"/>
           </a:p>
         </p:txBody>
       </p:sp>
@@ -4121,7 +3936,7 @@
               <a:rPr lang="de-DE"/>
               <a:t>© Niels Swimberghe https://swimburger.net - @RealSwimburger</a:t>
             </a:r>
-            <a:endParaRPr lang="en-US"/>
+            <a:endParaRPr lang="en-US" dirty="0"/>
           </a:p>
         </p:txBody>
       </p:sp>
@@ -4150,7 +3965,7 @@
               <a:rPr lang="en-US" smtClean="0"/>
               <a:t>‹#›</a:t>
             </a:fld>
-            <a:endParaRPr lang="en-US"/>
+            <a:endParaRPr lang="en-US" dirty="0"/>
           </a:p>
         </p:txBody>
       </p:sp>
@@ -4405,9 +4220,9 @@
           <a:p>
             <a:fld id="{139E32C2-6228-4F0D-8345-6FCB6E698C1C}" type="datetime1">
               <a:rPr lang="en-US" smtClean="0"/>
-              <a:t>12/14/2020</a:t>
+              <a:t>12/15/2020</a:t>
             </a:fld>
-            <a:endParaRPr lang="en-US"/>
+            <a:endParaRPr lang="en-US" dirty="0"/>
           </a:p>
         </p:txBody>
       </p:sp>
@@ -4436,7 +4251,7 @@
               <a:rPr lang="de-DE"/>
               <a:t>© Niels Swimberghe https://swimburger.net - @RealSwimburger</a:t>
             </a:r>
-            <a:endParaRPr lang="en-US"/>
+            <a:endParaRPr lang="en-US" dirty="0"/>
           </a:p>
         </p:txBody>
       </p:sp>
@@ -4465,7 +4280,7 @@
               <a:rPr lang="en-US" smtClean="0"/>
               <a:t>‹#›</a:t>
             </a:fld>
-            <a:endParaRPr lang="en-US"/>
+            <a:endParaRPr lang="en-US" dirty="0"/>
           </a:p>
         </p:txBody>
       </p:sp>
@@ -4599,7 +4414,7 @@
             </a:lvl9pPr>
           </a:lstStyle>
           <a:p>
-            <a:endParaRPr lang="en-US"/>
+            <a:endParaRPr lang="en-US" dirty="0"/>
           </a:p>
         </p:txBody>
       </p:sp>
@@ -4697,9 +4512,9 @@
           <a:p>
             <a:fld id="{87E2A6D4-FBC3-4B7A-BBFD-0A4EFD8F579D}" type="datetime1">
               <a:rPr lang="en-US" smtClean="0"/>
-              <a:t>12/14/2020</a:t>
+              <a:t>12/15/2020</a:t>
             </a:fld>
-            <a:endParaRPr lang="en-US"/>
+            <a:endParaRPr lang="en-US" dirty="0"/>
           </a:p>
         </p:txBody>
       </p:sp>
@@ -4728,7 +4543,7 @@
               <a:rPr lang="de-DE"/>
               <a:t>© Niels Swimberghe https://swimburger.net - @RealSwimburger</a:t>
             </a:r>
-            <a:endParaRPr lang="en-US"/>
+            <a:endParaRPr lang="en-US" dirty="0"/>
           </a:p>
         </p:txBody>
       </p:sp>
@@ -4757,7 +4572,7 @@
               <a:rPr lang="en-US" smtClean="0"/>
               <a:t>‹#›</a:t>
             </a:fld>
-            <a:endParaRPr lang="en-US"/>
+            <a:endParaRPr lang="en-US" dirty="0"/>
           </a:p>
         </p:txBody>
       </p:sp>
@@ -4942,9 +4757,9 @@
           <a:p>
             <a:fld id="{C55774C2-BE32-498D-96C4-73B84A15DCC4}" type="datetime1">
               <a:rPr lang="en-US" smtClean="0"/>
-              <a:t>12/14/2020</a:t>
+              <a:t>12/15/2020</a:t>
             </a:fld>
-            <a:endParaRPr lang="en-US"/>
+            <a:endParaRPr lang="en-US" dirty="0"/>
           </a:p>
         </p:txBody>
       </p:sp>
@@ -4991,7 +4806,7 @@
               <a:rPr lang="de-DE"/>
               <a:t>© Niels Swimberghe https://swimburger.net - @RealSwimburger</a:t>
             </a:r>
-            <a:endParaRPr lang="en-US"/>
+            <a:endParaRPr lang="en-US" dirty="0"/>
           </a:p>
         </p:txBody>
       </p:sp>
@@ -5038,7 +4853,7 @@
               <a:rPr lang="en-US" smtClean="0"/>
               <a:t>‹#›</a:t>
             </a:fld>
-            <a:endParaRPr lang="en-US"/>
+            <a:endParaRPr lang="en-US" dirty="0"/>
           </a:p>
         </p:txBody>
       </p:sp>
@@ -5436,7 +5251,7 @@
               <a:rPr lang="en-US" smtClean="0"/>
               <a:t>1</a:t>
             </a:fld>
-            <a:endParaRPr lang="en-US"/>
+            <a:endParaRPr lang="en-US" dirty="0"/>
           </a:p>
         </p:txBody>
       </p:sp>
@@ -5623,7 +5438,7 @@
           <a:lstStyle/>
           <a:p>
             <a:pPr algn="ctr"/>
-            <a:endParaRPr lang="en-US"/>
+            <a:endParaRPr lang="en-US" dirty="0"/>
           </a:p>
         </p:txBody>
       </p:sp>
@@ -5669,7 +5484,7 @@
               </a:pPr>
               <a:t>10</a:t>
             </a:fld>
-            <a:endParaRPr lang="en-US"/>
+            <a:endParaRPr lang="en-US" dirty="0"/>
           </a:p>
         </p:txBody>
       </p:sp>
@@ -5797,7 +5612,7 @@
           <a:lstStyle/>
           <a:p>
             <a:pPr algn="ctr"/>
-            <a:endParaRPr lang="en-US"/>
+            <a:endParaRPr lang="en-US" dirty="0"/>
           </a:p>
         </p:txBody>
       </p:sp>
@@ -5843,7 +5658,7 @@
               </a:pPr>
               <a:t>11</a:t>
             </a:fld>
-            <a:endParaRPr lang="en-US"/>
+            <a:endParaRPr lang="en-US" dirty="0"/>
           </a:p>
         </p:txBody>
       </p:sp>
@@ -6088,7 +5903,7 @@
           <a:lstStyle/>
           <a:p>
             <a:pPr algn="ctr"/>
-            <a:endParaRPr lang="en-US"/>
+            <a:endParaRPr lang="en-US" dirty="0"/>
           </a:p>
         </p:txBody>
       </p:sp>
@@ -6134,7 +5949,7 @@
               </a:pPr>
               <a:t>12</a:t>
             </a:fld>
-            <a:endParaRPr lang="en-US"/>
+            <a:endParaRPr lang="en-US" dirty="0"/>
           </a:p>
         </p:txBody>
       </p:sp>
@@ -6279,7 +6094,7 @@
           <a:lstStyle/>
           <a:p>
             <a:pPr algn="ctr"/>
-            <a:endParaRPr lang="en-US"/>
+            <a:endParaRPr lang="en-US" dirty="0"/>
           </a:p>
         </p:txBody>
       </p:sp>
@@ -6325,7 +6140,7 @@
               </a:pPr>
               <a:t>13</a:t>
             </a:fld>
-            <a:endParaRPr lang="en-US"/>
+            <a:endParaRPr lang="en-US" dirty="0"/>
           </a:p>
         </p:txBody>
       </p:sp>
@@ -6395,15 +6210,7 @@
             </a:pPr>
             <a:r>
               <a:rPr lang="en-US" sz="3200" dirty="0"/>
-              <a:t>/</a:t>
-            </a:r>
-            <a:r>
-              <a:rPr lang="en-US" sz="3200" dirty="0" err="1"/>
-              <a:t>fetchdata</a:t>
-            </a:r>
-            <a:r>
-              <a:rPr lang="en-US" sz="3200" dirty="0"/>
-              <a:t>, /counter does return the Blazor application successfully</a:t>
+              <a:t>/fetchdata, /counter does return the Blazor application successfully</a:t>
             </a:r>
           </a:p>
           <a:p>
@@ -6462,15 +6269,7 @@
             </a:br>
             <a:r>
               <a:rPr lang="en-US" sz="2400" dirty="0"/>
-              <a:t>/</a:t>
-            </a:r>
-            <a:r>
-              <a:rPr lang="en-US" sz="2400" dirty="0" err="1"/>
-              <a:t>fetchdata</a:t>
-            </a:r>
-            <a:r>
-              <a:rPr lang="en-US" sz="2400" dirty="0"/>
-              <a:t>/index.html, /counter/index.html, etc.</a:t>
+              <a:t>/fetchdata/index.html, /counter/index.html, etc.</a:t>
             </a:r>
           </a:p>
         </p:txBody>
@@ -6708,7 +6507,7 @@
               <a:rPr lang="en-US" smtClean="0"/>
               <a:t>14</a:t>
             </a:fld>
-            <a:endParaRPr lang="en-US"/>
+            <a:endParaRPr lang="en-US" dirty="0"/>
           </a:p>
         </p:txBody>
       </p:sp>
@@ -6863,7 +6662,7 @@
               </a:pPr>
               <a:t>15</a:t>
             </a:fld>
-            <a:endParaRPr lang="en-US"/>
+            <a:endParaRPr lang="en-US" dirty="0"/>
           </a:p>
         </p:txBody>
       </p:sp>
@@ -6915,7 +6714,7 @@
           <a:lstStyle/>
           <a:p>
             <a:pPr algn="ctr"/>
-            <a:endParaRPr lang="en-US"/>
+            <a:endParaRPr lang="en-US" dirty="0"/>
           </a:p>
         </p:txBody>
       </p:sp>
@@ -7046,7 +6845,7 @@
               <a:rPr lang="en-US" smtClean="0"/>
               <a:t>16</a:t>
             </a:fld>
-            <a:endParaRPr lang="en-US"/>
+            <a:endParaRPr lang="en-US" dirty="0"/>
           </a:p>
         </p:txBody>
       </p:sp>
@@ -7177,7 +6976,7 @@
               <a:rPr lang="en-US" smtClean="0"/>
               <a:t>17</a:t>
             </a:fld>
-            <a:endParaRPr lang="en-US"/>
+            <a:endParaRPr lang="en-US" dirty="0"/>
           </a:p>
         </p:txBody>
       </p:sp>
@@ -7665,7 +7464,7 @@
               </a:pPr>
               <a:t>2</a:t>
             </a:fld>
-            <a:endParaRPr lang="en-US"/>
+            <a:endParaRPr lang="en-US" dirty="0"/>
           </a:p>
         </p:txBody>
       </p:sp>
@@ -7983,7 +7782,7 @@
               <a:rPr lang="en-US" smtClean="0"/>
               <a:t>3</a:t>
             </a:fld>
-            <a:endParaRPr lang="en-US"/>
+            <a:endParaRPr lang="en-US" dirty="0"/>
           </a:p>
         </p:txBody>
       </p:sp>
@@ -8205,7 +8004,7 @@
               </a:lnSpc>
             </a:pPr>
             <a:r>
-              <a:rPr lang="en-US" b="0" i="0" dirty="0" err="1">
+              <a:rPr lang="en-US" b="0" i="0" dirty="0">
                 <a:solidFill>
                   <a:srgbClr val="24292E"/>
                 </a:solidFill>
@@ -8214,13 +8013,6 @@
               </a:rPr>
               <a:t>Vercel</a:t>
             </a:r>
-            <a:endParaRPr lang="en-US" b="0" i="0" dirty="0">
-              <a:solidFill>
-                <a:srgbClr val="24292E"/>
-              </a:solidFill>
-              <a:effectLst/>
-              <a:latin typeface="-apple-system"/>
-            </a:endParaRPr>
           </a:p>
           <a:p>
             <a:pPr>
@@ -8297,7 +8089,7 @@
               <a:rPr lang="en-US" smtClean="0"/>
               <a:t>4</a:t>
             </a:fld>
-            <a:endParaRPr lang="en-US"/>
+            <a:endParaRPr lang="en-US" dirty="0"/>
           </a:p>
         </p:txBody>
       </p:sp>
@@ -8369,6 +8161,58 @@
       </p:grpSpPr>
       <p:sp>
         <p:nvSpPr>
+          <p:cNvPr id="5" name="Rectangle 4">
+            <a:extLst>
+              <a:ext uri="{FF2B5EF4-FFF2-40B4-BE49-F238E27FC236}">
+                <a16:creationId xmlns:a16="http://schemas.microsoft.com/office/drawing/2014/main" id="{3B3F60FA-60A8-4110-87C8-95C80265A08B}"/>
+              </a:ext>
+            </a:extLst>
+          </p:cNvPr>
+          <p:cNvSpPr/>
+          <p:nvPr/>
+        </p:nvSpPr>
+        <p:spPr>
+          <a:xfrm>
+            <a:off x="733926" y="4018547"/>
+            <a:ext cx="10311063" cy="1576137"/>
+          </a:xfrm>
+          <a:prstGeom prst="rect">
+            <a:avLst/>
+          </a:prstGeom>
+          <a:solidFill>
+            <a:srgbClr val="A02C56"/>
+          </a:solidFill>
+          <a:ln>
+            <a:noFill/>
+          </a:ln>
+        </p:spPr>
+        <p:style>
+          <a:lnRef idx="2">
+            <a:schemeClr val="accent1">
+              <a:shade val="50000"/>
+            </a:schemeClr>
+          </a:lnRef>
+          <a:fillRef idx="1">
+            <a:schemeClr val="accent1"/>
+          </a:fillRef>
+          <a:effectRef idx="0">
+            <a:schemeClr val="accent1"/>
+          </a:effectRef>
+          <a:fontRef idx="minor">
+            <a:schemeClr val="lt1"/>
+          </a:fontRef>
+        </p:style>
+        <p:txBody>
+          <a:bodyPr rtlCol="0" anchor="ctr"/>
+          <a:lstStyle/>
+          <a:p>
+            <a:pPr algn="ctr"/>
+            <a:endParaRPr lang="en-US" dirty="0"/>
+          </a:p>
+        </p:txBody>
+      </p:sp>
+      <p:sp>
+        <p:nvSpPr>
           <p:cNvPr id="2" name="Title 1">
             <a:extLst>
               <a:ext uri="{FF2B5EF4-FFF2-40B4-BE49-F238E27FC236}">
@@ -8431,7 +8275,7 @@
                 <a:effectLst/>
                 <a:latin typeface="-apple-system"/>
               </a:rPr>
-              <a:t>User site =&gt; 		</a:t>
+              <a:t>User site 		=&gt; </a:t>
             </a:r>
             <a:r>
               <a:rPr lang="en-US" i="0" dirty="0">
@@ -8477,7 +8321,7 @@
                 <a:effectLst/>
                 <a:latin typeface="-apple-system"/>
               </a:rPr>
-              <a:t>site =&gt;   	</a:t>
+              <a:t>site 	=&gt; </a:t>
             </a:r>
             <a:r>
               <a:rPr lang="en-US" i="0" dirty="0">
@@ -8509,17 +8353,17 @@
             <a:r>
               <a:rPr lang="en-US" b="0" i="0" dirty="0">
                 <a:solidFill>
-                  <a:srgbClr val="24292E"/>
+                  <a:schemeClr val="bg1"/>
                 </a:solidFill>
                 <a:effectLst/>
                 <a:latin typeface="-apple-system"/>
               </a:rPr>
-              <a:t>Project site =&gt; 		</a:t>
+              <a:t>Project site 	=&gt; </a:t>
             </a:r>
             <a:r>
               <a:rPr lang="en-US" i="0" dirty="0">
                 <a:solidFill>
-                  <a:srgbClr val="24292E"/>
+                  <a:schemeClr val="bg1"/>
                 </a:solidFill>
                 <a:effectLst/>
                 <a:latin typeface="-apple-system"/>
@@ -8529,17 +8373,17 @@
             <a:r>
               <a:rPr lang="en-US" b="0" i="0" dirty="0">
                 <a:solidFill>
-                  <a:srgbClr val="24292E"/>
+                  <a:schemeClr val="bg1"/>
                 </a:solidFill>
                 <a:effectLst/>
                 <a:latin typeface="-apple-system"/>
               </a:rPr>
-              <a:t>.github.io/[repository_name]				       	[organization</a:t>
+              <a:t>.github.io/[repository_name]				       	=&gt; [organization</a:t>
             </a:r>
             <a:r>
               <a:rPr lang="en-US" dirty="0">
                 <a:solidFill>
-                  <a:srgbClr val="24292E"/>
+                  <a:schemeClr val="bg1"/>
                 </a:solidFill>
                 <a:latin typeface="-apple-system"/>
               </a:rPr>
@@ -8548,14 +8392,18 @@
             <a:r>
               <a:rPr lang="en-US" b="0" i="0" dirty="0">
                 <a:solidFill>
-                  <a:srgbClr val="24292E"/>
+                  <a:schemeClr val="bg1"/>
                 </a:solidFill>
                 <a:effectLst/>
                 <a:latin typeface="-apple-system"/>
               </a:rPr>
               <a:t>.github.io/[repository_name]</a:t>
             </a:r>
-            <a:endParaRPr lang="en-US" dirty="0"/>
+            <a:endParaRPr lang="en-US" dirty="0">
+              <a:solidFill>
+                <a:schemeClr val="bg1"/>
+              </a:solidFill>
+            </a:endParaRPr>
           </a:p>
         </p:txBody>
       </p:sp>
@@ -8584,7 +8432,7 @@
               <a:rPr lang="en-US" smtClean="0"/>
               <a:t>5</a:t>
             </a:fld>
-            <a:endParaRPr lang="en-US"/>
+            <a:endParaRPr lang="en-US" dirty="0"/>
           </a:p>
         </p:txBody>
       </p:sp>
@@ -8603,7 +8451,7 @@
           <p:nvPr/>
         </p:nvPicPr>
         <p:blipFill>
-          <a:blip r:embed="rId2">
+          <a:blip r:embed="rId3">
             <a:extLst>
               <a:ext uri="{28A0092B-C50C-407E-A947-70E740481C1C}">
                 <a14:useLocalDpi xmlns:a14="http://schemas.microsoft.com/office/drawing/2010/main" val="0"/>
@@ -8763,7 +8611,7 @@
             </a:br>
             <a:r>
               <a:rPr lang="en-US" dirty="0"/>
-              <a:t>in repository settings</a:t>
+              <a:t>in repository settings - or - create a gh-pages branch</a:t>
             </a:r>
           </a:p>
           <a:p>
@@ -8809,7 +8657,7 @@
               <a:rPr lang="en-US" smtClean="0"/>
               <a:t>6</a:t>
             </a:fld>
-            <a:endParaRPr lang="en-US"/>
+            <a:endParaRPr lang="en-US" dirty="0"/>
           </a:p>
         </p:txBody>
       </p:sp>
@@ -8943,7 +8791,7 @@
           <a:lstStyle/>
           <a:p>
             <a:pPr algn="ctr"/>
-            <a:endParaRPr lang="en-US"/>
+            <a:endParaRPr lang="en-US" dirty="0"/>
           </a:p>
         </p:txBody>
       </p:sp>
@@ -9054,7 +8902,7 @@
               </a:pPr>
               <a:t>7</a:t>
             </a:fld>
-            <a:endParaRPr lang="en-US"/>
+            <a:endParaRPr lang="en-US" dirty="0"/>
           </a:p>
         </p:txBody>
       </p:sp>
@@ -9212,15 +9060,7 @@
             </a:pPr>
             <a:r>
               <a:rPr lang="en-US" dirty="0"/>
-              <a:t>Commit output to </a:t>
-            </a:r>
-            <a:r>
-              <a:rPr lang="en-US" dirty="0" err="1"/>
-              <a:t>gh</a:t>
-            </a:r>
-            <a:r>
-              <a:rPr lang="en-US" dirty="0"/>
-              <a:t>-pages branch</a:t>
+              <a:t>Commit output to gh-pages branch</a:t>
             </a:r>
           </a:p>
           <a:p>
@@ -9266,7 +9106,7 @@
               <a:rPr lang="en-US" smtClean="0"/>
               <a:t>8</a:t>
             </a:fld>
-            <a:endParaRPr lang="en-US"/>
+            <a:endParaRPr lang="en-US" dirty="0"/>
           </a:p>
         </p:txBody>
       </p:sp>
@@ -9400,7 +9240,7 @@
           <a:lstStyle/>
           <a:p>
             <a:pPr algn="ctr"/>
-            <a:endParaRPr lang="en-US"/>
+            <a:endParaRPr lang="en-US" dirty="0"/>
           </a:p>
         </p:txBody>
       </p:sp>
@@ -9489,7 +9329,7 @@
               </a:pPr>
               <a:t>9</a:t>
             </a:fld>
-            <a:endParaRPr lang="en-US"/>
+            <a:endParaRPr lang="en-US" dirty="0"/>
           </a:p>
         </p:txBody>
       </p:sp>
@@ -9541,7 +9381,7 @@
           <a:lstStyle/>
           <a:p>
             <a:pPr algn="ctr"/>
-            <a:endParaRPr lang="en-US"/>
+            <a:endParaRPr lang="en-US" dirty="0"/>
           </a:p>
         </p:txBody>
       </p:sp>

--- a/Deploying Blazor WebAssembly to GitHub Pages.pptx
+++ b/Deploying Blazor WebAssembly to GitHub Pages.pptx
@@ -213,7 +213,7 @@
           <a:p>
             <a:fld id="{7A66462D-8375-476B-A997-11C764AA740F}" type="datetimeFigureOut">
               <a:rPr lang="en-US" smtClean="0"/>
-              <a:t>12/15/2020</a:t>
+              <a:t>1/17/2021</a:t>
             </a:fld>
             <a:endParaRPr lang="en-US" dirty="0"/>
           </a:p>
@@ -2063,7 +2063,7 @@
           <a:p>
             <a:fld id="{2A4FA98C-1AC5-4994-8CEF-6126DCC40BFF}" type="datetime1">
               <a:rPr lang="en-US" smtClean="0"/>
-              <a:t>12/15/2020</a:t>
+              <a:t>1/17/2021</a:t>
             </a:fld>
             <a:endParaRPr lang="en-US" dirty="0"/>
           </a:p>
@@ -2265,7 +2265,7 @@
           <a:p>
             <a:fld id="{CF9A1C99-4184-45F0-9AA1-C697F85E623B}" type="datetime1">
               <a:rPr lang="en-US" smtClean="0"/>
-              <a:t>12/15/2020</a:t>
+              <a:t>1/17/2021</a:t>
             </a:fld>
             <a:endParaRPr lang="en-US" dirty="0"/>
           </a:p>
@@ -2477,7 +2477,7 @@
           <a:p>
             <a:fld id="{D1EC2A0B-BBCB-4B8B-9248-C859E21102C1}" type="datetime1">
               <a:rPr lang="en-US" smtClean="0"/>
-              <a:t>12/15/2020</a:t>
+              <a:t>1/17/2021</a:t>
             </a:fld>
             <a:endParaRPr lang="en-US" dirty="0"/>
           </a:p>
@@ -2679,7 +2679,7 @@
           <a:p>
             <a:fld id="{BED2CB5F-3D5A-4261-A2A7-FB9EA21A41BA}" type="datetime1">
               <a:rPr lang="en-US" smtClean="0"/>
-              <a:t>12/15/2020</a:t>
+              <a:t>1/17/2021</a:t>
             </a:fld>
             <a:endParaRPr lang="en-US" dirty="0"/>
           </a:p>
@@ -2958,7 +2958,7 @@
           <a:p>
             <a:fld id="{95D14C51-39EE-440C-83FB-1AD9E676741A}" type="datetime1">
               <a:rPr lang="en-US" smtClean="0"/>
-              <a:t>12/15/2020</a:t>
+              <a:t>1/17/2021</a:t>
             </a:fld>
             <a:endParaRPr lang="en-US" dirty="0"/>
           </a:p>
@@ -3227,7 +3227,7 @@
           <a:p>
             <a:fld id="{2878B5CC-C6DC-4AD3-82B3-E28A83EAB02B}" type="datetime1">
               <a:rPr lang="en-US" smtClean="0"/>
-              <a:t>12/15/2020</a:t>
+              <a:t>1/17/2021</a:t>
             </a:fld>
             <a:endParaRPr lang="en-US" dirty="0"/>
           </a:p>
@@ -3643,7 +3643,7 @@
           <a:p>
             <a:fld id="{15F30398-614A-48BF-B149-7E39CBB7FEEB}" type="datetime1">
               <a:rPr lang="en-US" smtClean="0"/>
-              <a:t>12/15/2020</a:t>
+              <a:t>1/17/2021</a:t>
             </a:fld>
             <a:endParaRPr lang="en-US" dirty="0"/>
           </a:p>
@@ -3788,7 +3788,7 @@
           <a:p>
             <a:fld id="{6999B1E3-E444-4102-8B7B-4548D0914EED}" type="datetime1">
               <a:rPr lang="en-US" smtClean="0"/>
-              <a:t>12/15/2020</a:t>
+              <a:t>1/17/2021</a:t>
             </a:fld>
             <a:endParaRPr lang="en-US" dirty="0"/>
           </a:p>
@@ -3905,7 +3905,7 @@
           <a:p>
             <a:fld id="{4F03F3BD-A6C1-47A3-B461-CF850BBDDC38}" type="datetime1">
               <a:rPr lang="en-US" smtClean="0"/>
-              <a:t>12/15/2020</a:t>
+              <a:t>1/17/2021</a:t>
             </a:fld>
             <a:endParaRPr lang="en-US" dirty="0"/>
           </a:p>
@@ -4220,7 +4220,7 @@
           <a:p>
             <a:fld id="{139E32C2-6228-4F0D-8345-6FCB6E698C1C}" type="datetime1">
               <a:rPr lang="en-US" smtClean="0"/>
-              <a:t>12/15/2020</a:t>
+              <a:t>1/17/2021</a:t>
             </a:fld>
             <a:endParaRPr lang="en-US" dirty="0"/>
           </a:p>
@@ -4512,7 +4512,7 @@
           <a:p>
             <a:fld id="{87E2A6D4-FBC3-4B7A-BBFD-0A4EFD8F579D}" type="datetime1">
               <a:rPr lang="en-US" smtClean="0"/>
-              <a:t>12/15/2020</a:t>
+              <a:t>1/17/2021</a:t>
             </a:fld>
             <a:endParaRPr lang="en-US" dirty="0"/>
           </a:p>
@@ -4757,7 +4757,7 @@
           <a:p>
             <a:fld id="{C55774C2-BE32-498D-96C4-73B84A15DCC4}" type="datetime1">
               <a:rPr lang="en-US" smtClean="0"/>
-              <a:t>12/15/2020</a:t>
+              <a:t>1/17/2021</a:t>
             </a:fld>
             <a:endParaRPr lang="en-US" dirty="0"/>
           </a:p>
@@ -7904,7 +7904,7 @@
         </p:spPr>
         <p:txBody>
           <a:bodyPr>
-            <a:normAutofit/>
+            <a:normAutofit lnSpcReduction="10000"/>
           </a:bodyPr>
           <a:lstStyle/>
           <a:p>
@@ -7979,6 +7979,42 @@
               </a:rPr>
               <a:t>Firebase Hosting</a:t>
             </a:r>
+            <a:br>
+              <a:rPr lang="en-US" dirty="0">
+                <a:solidFill>
+                  <a:srgbClr val="24292E"/>
+                </a:solidFill>
+                <a:latin typeface="-apple-system"/>
+              </a:rPr>
+            </a:br>
+            <a:r>
+              <a:rPr lang="en-US" dirty="0">
+                <a:solidFill>
+                  <a:srgbClr val="24292E"/>
+                </a:solidFill>
+                <a:latin typeface="-apple-system"/>
+              </a:rPr>
+              <a:t>(</a:t>
+            </a:r>
+            <a:r>
+              <a:rPr lang="en-US" dirty="0">
+                <a:solidFill>
+                  <a:srgbClr val="24292E"/>
+                </a:solidFill>
+                <a:latin typeface="-apple-system"/>
+                <a:hlinkClick r:id="rId3"/>
+              </a:rPr>
+              <a:t>Blazor WASM Walkthrough</a:t>
+            </a:r>
+            <a:r>
+              <a:rPr lang="en-US" dirty="0">
+                <a:solidFill>
+                  <a:srgbClr val="24292E"/>
+                </a:solidFill>
+                <a:latin typeface="-apple-system"/>
+              </a:rPr>
+              <a:t>)</a:t>
+            </a:r>
           </a:p>
           <a:p>
             <a:pPr>
@@ -8108,10 +8144,10 @@
           <p:nvPr/>
         </p:nvPicPr>
         <p:blipFill>
-          <a:blip r:embed="rId3">
+          <a:blip r:embed="rId4">
             <a:extLst>
               <a:ext uri="{96DAC541-7B7A-43D3-8B79-37D633B846F1}">
-                <asvg:svgBlip xmlns:asvg="http://schemas.microsoft.com/office/drawing/2016/SVG/main" r:embed="rId4"/>
+                <asvg:svgBlip xmlns:asvg="http://schemas.microsoft.com/office/drawing/2016/SVG/main" r:embed="rId5"/>
               </a:ext>
             </a:extLst>
           </a:blip>
